--- a/宣道詩/(宣道詩132)禱告良辰.pptx
+++ b/宣道詩/(宣道詩132)禱告良辰.pptx
@@ -5,12 +5,19 @@
     <p:sldMasterId id="2147483660" r:id="rId1"/>
   </p:sldMasterIdLst>
   <p:sldIdLst>
-    <p:sldId id="257" r:id="rId2"/>
-    <p:sldId id="258" r:id="rId3"/>
-    <p:sldId id="259" r:id="rId4"/>
-    <p:sldId id="260" r:id="rId5"/>
-    <p:sldId id="261" r:id="rId6"/>
-    <p:sldId id="262" r:id="rId7"/>
+    <p:sldId id="263" r:id="rId2"/>
+    <p:sldId id="264" r:id="rId3"/>
+    <p:sldId id="265" r:id="rId4"/>
+    <p:sldId id="266" r:id="rId5"/>
+    <p:sldId id="267" r:id="rId6"/>
+    <p:sldId id="268" r:id="rId7"/>
+    <p:sldId id="269" r:id="rId8"/>
+    <p:sldId id="270" r:id="rId9"/>
+    <p:sldId id="271" r:id="rId10"/>
+    <p:sldId id="272" r:id="rId11"/>
+    <p:sldId id="273" r:id="rId12"/>
+    <p:sldId id="274" r:id="rId13"/>
+    <p:sldId id="275" r:id="rId14"/>
   </p:sldIdLst>
   <p:sldSz cx="12192000" cy="6858000"/>
   <p:notesSz cx="6858000" cy="9144000"/>
@@ -109,6 +116,11 @@
       </a:defRPr>
     </a:lvl9pPr>
   </p:defaultTextStyle>
+  <p:extLst>
+    <p:ext uri="{EFAFB233-063F-42B5-8137-9DF3F51BA10A}">
+      <p15:sldGuideLst xmlns:p15="http://schemas.microsoft.com/office/powerpoint/2012/main"/>
+    </p:ext>
+  </p:extLst>
 </p:presentation>
 </file>
 
@@ -293,7 +305,7 @@
           <a:p>
             <a:fld id="{73DEDBFF-0C8A-4DEA-813D-00C114090525}" type="datetimeFigureOut">
               <a:rPr lang="vi-VN" smtClean="0"/>
-              <a:t>28/08/2020</a:t>
+              <a:t>02/07/2021</a:t>
             </a:fld>
             <a:endParaRPr lang="vi-VN"/>
           </a:p>
@@ -463,7 +475,7 @@
           <a:p>
             <a:fld id="{73DEDBFF-0C8A-4DEA-813D-00C114090525}" type="datetimeFigureOut">
               <a:rPr lang="vi-VN" smtClean="0"/>
-              <a:t>28/08/2020</a:t>
+              <a:t>02/07/2021</a:t>
             </a:fld>
             <a:endParaRPr lang="vi-VN"/>
           </a:p>
@@ -643,7 +655,7 @@
           <a:p>
             <a:fld id="{73DEDBFF-0C8A-4DEA-813D-00C114090525}" type="datetimeFigureOut">
               <a:rPr lang="vi-VN" smtClean="0"/>
-              <a:t>28/08/2020</a:t>
+              <a:t>02/07/2021</a:t>
             </a:fld>
             <a:endParaRPr lang="vi-VN"/>
           </a:p>
@@ -813,7 +825,7 @@
           <a:p>
             <a:fld id="{73DEDBFF-0C8A-4DEA-813D-00C114090525}" type="datetimeFigureOut">
               <a:rPr lang="vi-VN" smtClean="0"/>
-              <a:t>28/08/2020</a:t>
+              <a:t>02/07/2021</a:t>
             </a:fld>
             <a:endParaRPr lang="vi-VN"/>
           </a:p>
@@ -1059,7 +1071,7 @@
           <a:p>
             <a:fld id="{73DEDBFF-0C8A-4DEA-813D-00C114090525}" type="datetimeFigureOut">
               <a:rPr lang="vi-VN" smtClean="0"/>
-              <a:t>28/08/2020</a:t>
+              <a:t>02/07/2021</a:t>
             </a:fld>
             <a:endParaRPr lang="vi-VN"/>
           </a:p>
@@ -1347,7 +1359,7 @@
           <a:p>
             <a:fld id="{73DEDBFF-0C8A-4DEA-813D-00C114090525}" type="datetimeFigureOut">
               <a:rPr lang="vi-VN" smtClean="0"/>
-              <a:t>28/08/2020</a:t>
+              <a:t>02/07/2021</a:t>
             </a:fld>
             <a:endParaRPr lang="vi-VN"/>
           </a:p>
@@ -1769,7 +1781,7 @@
           <a:p>
             <a:fld id="{73DEDBFF-0C8A-4DEA-813D-00C114090525}" type="datetimeFigureOut">
               <a:rPr lang="vi-VN" smtClean="0"/>
-              <a:t>28/08/2020</a:t>
+              <a:t>02/07/2021</a:t>
             </a:fld>
             <a:endParaRPr lang="vi-VN"/>
           </a:p>
@@ -1887,7 +1899,7 @@
           <a:p>
             <a:fld id="{73DEDBFF-0C8A-4DEA-813D-00C114090525}" type="datetimeFigureOut">
               <a:rPr lang="vi-VN" smtClean="0"/>
-              <a:t>28/08/2020</a:t>
+              <a:t>02/07/2021</a:t>
             </a:fld>
             <a:endParaRPr lang="vi-VN"/>
           </a:p>
@@ -1982,7 +1994,7 @@
           <a:p>
             <a:fld id="{73DEDBFF-0C8A-4DEA-813D-00C114090525}" type="datetimeFigureOut">
               <a:rPr lang="vi-VN" smtClean="0"/>
-              <a:t>28/08/2020</a:t>
+              <a:t>02/07/2021</a:t>
             </a:fld>
             <a:endParaRPr lang="vi-VN"/>
           </a:p>
@@ -2259,7 +2271,7 @@
           <a:p>
             <a:fld id="{73DEDBFF-0C8A-4DEA-813D-00C114090525}" type="datetimeFigureOut">
               <a:rPr lang="vi-VN" smtClean="0"/>
-              <a:t>28/08/2020</a:t>
+              <a:t>02/07/2021</a:t>
             </a:fld>
             <a:endParaRPr lang="vi-VN"/>
           </a:p>
@@ -2516,7 +2528,7 @@
           <a:p>
             <a:fld id="{73DEDBFF-0C8A-4DEA-813D-00C114090525}" type="datetimeFigureOut">
               <a:rPr lang="vi-VN" smtClean="0"/>
-              <a:t>28/08/2020</a:t>
+              <a:t>02/07/2021</a:t>
             </a:fld>
             <a:endParaRPr lang="vi-VN"/>
           </a:p>
@@ -2734,7 +2746,7 @@
           <a:p>
             <a:fld id="{73DEDBFF-0C8A-4DEA-813D-00C114090525}" type="datetimeFigureOut">
               <a:rPr lang="vi-VN" smtClean="0"/>
-              <a:t>28/08/2020</a:t>
+              <a:t>02/07/2021</a:t>
             </a:fld>
             <a:endParaRPr lang="vi-VN"/>
           </a:p>
@@ -3111,48 +3123,18 @@
       </p:grpSpPr>
       <p:sp>
         <p:nvSpPr>
-          <p:cNvPr id="2" name="Title 1"/>
+          <p:cNvPr id="4" name="標題 3"/>
           <p:cNvSpPr>
             <a:spLocks noGrp="1"/>
           </p:cNvSpPr>
           <p:nvPr>
             <p:ph type="title"/>
-          </p:nvPr>
-        </p:nvSpPr>
-        <p:spPr/>
-        <p:txBody>
-          <a:bodyPr>
-            <a:normAutofit/>
-          </a:bodyPr>
-          <a:lstStyle/>
-          <a:p>
-            <a:r>
-              <a:rPr lang="zh-CN" altLang="en-US" sz="4800" b="1" dirty="0" smtClean="0">
-                <a:latin typeface="Microsoft JhengHei" panose="020B0604030504040204" pitchFamily="34" charset="-120"/>
-                <a:ea typeface="Microsoft JhengHei" panose="020B0604030504040204" pitchFamily="34" charset="-120"/>
-              </a:rPr>
-              <a:t>禱告良辰</a:t>
-            </a:r>
-            <a:endParaRPr lang="vi-VN" sz="4800" b="1" dirty="0">
-              <a:ea typeface="Microsoft JhengHei" panose="020B0604030504040204" pitchFamily="34" charset="-120"/>
-            </a:endParaRPr>
-          </a:p>
-        </p:txBody>
-      </p:sp>
-      <p:sp>
-        <p:nvSpPr>
-          <p:cNvPr id="3" name="Content Placeholder 2"/>
-          <p:cNvSpPr>
-            <a:spLocks noGrp="1"/>
-          </p:cNvSpPr>
-          <p:nvPr>
-            <p:ph idx="1"/>
           </p:nvPr>
         </p:nvSpPr>
         <p:spPr>
           <a:xfrm>
-            <a:off x="0" y="1600201"/>
-            <a:ext cx="12192000" cy="4525963"/>
+            <a:off x="0" y="2756925"/>
+            <a:ext cx="12192000" cy="1143000"/>
           </a:xfrm>
         </p:spPr>
         <p:txBody>
@@ -3161,109 +3143,225 @@
           </a:bodyPr>
           <a:lstStyle/>
           <a:p>
+            <a:r>
+              <a:rPr lang="zh-CN" altLang="en-US" sz="5333" b="1" u="sng" dirty="0">
+                <a:solidFill>
+                  <a:srgbClr val="660033"/>
+                </a:solidFill>
+                <a:effectLst>
+                  <a:outerShdw blurRad="38100" dist="38100" dir="2700000" algn="tl">
+                    <a:srgbClr val="000000">
+                      <a:alpha val="43137"/>
+                    </a:srgbClr>
+                  </a:outerShdw>
+                </a:effectLst>
+                <a:latin typeface="微軟正黑體" pitchFamily="34" charset="-120"/>
+                <a:ea typeface="微軟正黑體" pitchFamily="34" charset="-120"/>
+              </a:rPr>
+              <a:t>宣道詩 </a:t>
+            </a:r>
+            <a:r>
+              <a:rPr lang="en-US" altLang="zh-CN" sz="5333" b="1" u="sng" dirty="0">
+                <a:solidFill>
+                  <a:srgbClr val="660033"/>
+                </a:solidFill>
+                <a:effectLst>
+                  <a:outerShdw blurRad="38100" dist="38100" dir="2700000" algn="tl">
+                    <a:srgbClr val="000000">
+                      <a:alpha val="43137"/>
+                    </a:srgbClr>
+                  </a:outerShdw>
+                </a:effectLst>
+                <a:latin typeface="微軟正黑體" pitchFamily="34" charset="-120"/>
+                <a:ea typeface="微軟正黑體" pitchFamily="34" charset="-120"/>
+              </a:rPr>
+              <a:t>132</a:t>
+            </a:r>
+            <a:r>
+              <a:rPr lang="en-US" altLang="zh-CN" sz="7200" b="1" i="1" dirty="0">
+                <a:solidFill>
+                  <a:schemeClr val="bg1"/>
+                </a:solidFill>
+                <a:effectLst>
+                  <a:outerShdw blurRad="38100" dist="38100" dir="2700000" algn="tl">
+                    <a:srgbClr val="000000">
+                      <a:alpha val="43137"/>
+                    </a:srgbClr>
+                  </a:outerShdw>
+                </a:effectLst>
+                <a:latin typeface="微軟正黑體" pitchFamily="34" charset="-120"/>
+                <a:ea typeface="微軟正黑體" pitchFamily="34" charset="-120"/>
+              </a:rPr>
+              <a:t/>
+            </a:r>
+            <a:br>
+              <a:rPr lang="en-US" altLang="zh-CN" sz="7200" b="1" i="1" dirty="0">
+                <a:solidFill>
+                  <a:schemeClr val="bg1"/>
+                </a:solidFill>
+                <a:effectLst>
+                  <a:outerShdw blurRad="38100" dist="38100" dir="2700000" algn="tl">
+                    <a:srgbClr val="000000">
+                      <a:alpha val="43137"/>
+                    </a:srgbClr>
+                  </a:outerShdw>
+                </a:effectLst>
+                <a:latin typeface="微軟正黑體" pitchFamily="34" charset="-120"/>
+                <a:ea typeface="微軟正黑體" pitchFamily="34" charset="-120"/>
+              </a:rPr>
+            </a:br>
+            <a:r>
+              <a:rPr lang="zh-CN" altLang="en-US" sz="8000" b="1" dirty="0">
+                <a:solidFill>
+                  <a:srgbClr val="000066"/>
+                </a:solidFill>
+                <a:effectLst>
+                  <a:outerShdw blurRad="38100" dist="38100" dir="2700000" algn="tl">
+                    <a:srgbClr val="000000">
+                      <a:alpha val="43137"/>
+                    </a:srgbClr>
+                  </a:outerShdw>
+                </a:effectLst>
+                <a:latin typeface="微軟正黑體" pitchFamily="34" charset="-120"/>
+                <a:ea typeface="微軟正黑體" pitchFamily="34" charset="-120"/>
+              </a:rPr>
+              <a:t>禱告良辰</a:t>
+            </a:r>
+            <a:endParaRPr lang="zh-TW" altLang="en-US" sz="8000" b="1" dirty="0">
+              <a:solidFill>
+                <a:srgbClr val="000066"/>
+              </a:solidFill>
+              <a:effectLst>
+                <a:outerShdw blurRad="38100" dist="38100" dir="2700000" algn="tl">
+                  <a:srgbClr val="000000">
+                    <a:alpha val="43137"/>
+                  </a:srgbClr>
+                </a:outerShdw>
+              </a:effectLst>
+              <a:latin typeface="微軟正黑體" pitchFamily="34" charset="-120"/>
+              <a:ea typeface="微軟正黑體" pitchFamily="34" charset="-120"/>
+            </a:endParaRPr>
+          </a:p>
+        </p:txBody>
+      </p:sp>
+    </p:spTree>
+    <p:extLst>
+      <p:ext uri="{BB962C8B-B14F-4D97-AF65-F5344CB8AC3E}">
+        <p14:creationId xmlns:p14="http://schemas.microsoft.com/office/powerpoint/2010/main" val="237515716"/>
+      </p:ext>
+    </p:extLst>
+  </p:cSld>
+  <p:clrMapOvr>
+    <a:masterClrMapping/>
+  </p:clrMapOvr>
+  <p:timing>
+    <p:tnLst>
+      <p:par>
+        <p:cTn id="1" dur="indefinite" restart="never" nodeType="tmRoot"/>
+      </p:par>
+    </p:tnLst>
+  </p:timing>
+</p:sld>
+</file>
+
+<file path=ppt/slides/slide10.xml><?xml version="1.0" encoding="utf-8"?>
+<p:sld xmlns:a="http://schemas.openxmlformats.org/drawingml/2006/main" xmlns:r="http://schemas.openxmlformats.org/officeDocument/2006/relationships" xmlns:p="http://schemas.openxmlformats.org/presentationml/2006/main">
+  <p:cSld>
+    <p:spTree>
+      <p:nvGrpSpPr>
+        <p:cNvPr id="1" name=""/>
+        <p:cNvGrpSpPr/>
+        <p:nvPr/>
+      </p:nvGrpSpPr>
+      <p:grpSpPr>
+        <a:xfrm>
+          <a:off x="0" y="0"/>
+          <a:ext cx="0" cy="0"/>
+          <a:chOff x="0" y="0"/>
+          <a:chExt cx="0" cy="0"/>
+        </a:xfrm>
+      </p:grpSpPr>
+      <p:sp>
+        <p:nvSpPr>
+          <p:cNvPr id="5" name="內容版面配置區 4"/>
+          <p:cNvSpPr>
+            <a:spLocks noGrp="1"/>
+          </p:cNvSpPr>
+          <p:nvPr>
+            <p:ph idx="1"/>
+          </p:nvPr>
+        </p:nvSpPr>
+        <p:spPr>
+          <a:xfrm>
+            <a:off x="0" y="2084851"/>
+            <a:ext cx="12192000" cy="2404863"/>
+          </a:xfrm>
+        </p:spPr>
+        <p:txBody>
+          <a:bodyPr anchor="ctr">
+            <a:normAutofit/>
+          </a:bodyPr>
+          <a:lstStyle/>
+          <a:p>
             <a:pPr marL="0" indent="0" algn="ctr">
               <a:buNone/>
             </a:pPr>
             <a:r>
-              <a:rPr lang="zh-CN" altLang="en-US" sz="5400" b="1" dirty="0">
-                <a:latin typeface="Microsoft JhengHei" panose="020B0604030504040204" pitchFamily="34" charset="-120"/>
-                <a:ea typeface="Microsoft JhengHei" panose="020B0604030504040204" pitchFamily="34" charset="-120"/>
+              <a:rPr lang="zh-CN" altLang="en-US" sz="6400" b="1" dirty="0">
+                <a:solidFill>
+                  <a:srgbClr val="000066"/>
+                </a:solidFill>
+                <a:effectLst/>
+                <a:latin typeface="Microsoft JhengHei" pitchFamily="34" charset="-120"/>
+                <a:ea typeface="Microsoft JhengHei" pitchFamily="34" charset="-120"/>
               </a:rPr>
-              <a:t>禱告良辰何等歡</a:t>
-            </a:r>
-            <a:r>
-              <a:rPr lang="zh-CN" altLang="en-US" sz="5400" b="1" dirty="0" smtClean="0">
-                <a:latin typeface="Microsoft JhengHei" panose="020B0604030504040204" pitchFamily="34" charset="-120"/>
-                <a:ea typeface="Microsoft JhengHei" panose="020B0604030504040204" pitchFamily="34" charset="-120"/>
+              <a:t>禱告良辰何等歡欣</a:t>
+            </a:r>
+            <a:endParaRPr lang="en-US" altLang="zh-CN" sz="6400" b="1" dirty="0">
+              <a:solidFill>
+                <a:srgbClr val="000066"/>
+              </a:solidFill>
+              <a:effectLst/>
+              <a:latin typeface="Microsoft JhengHei" pitchFamily="34" charset="-120"/>
+              <a:ea typeface="Microsoft JhengHei" pitchFamily="34" charset="-120"/>
+            </a:endParaRPr>
+          </a:p>
+          <a:p>
+            <a:pPr marL="0" indent="0" algn="ctr">
+              <a:buNone/>
+            </a:pPr>
+            <a:r>
+              <a:rPr lang="zh-CN" altLang="en-US" sz="6400" b="1" dirty="0">
+                <a:solidFill>
+                  <a:srgbClr val="000066"/>
+                </a:solidFill>
+                <a:effectLst/>
+                <a:latin typeface="Microsoft JhengHei" pitchFamily="34" charset="-120"/>
+                <a:ea typeface="Microsoft JhengHei" pitchFamily="34" charset="-120"/>
               </a:rPr>
-              <a:t>欣</a:t>
-            </a:r>
-            <a:endParaRPr lang="en-US" altLang="zh-CN" sz="5400" b="1" dirty="0" smtClean="0">
-              <a:latin typeface="Microsoft JhengHei" panose="020B0604030504040204" pitchFamily="34" charset="-120"/>
-              <a:ea typeface="Microsoft JhengHei" panose="020B0604030504040204" pitchFamily="34" charset="-120"/>
+              <a:t>每逢求主安慰我心</a:t>
+            </a:r>
+            <a:endParaRPr lang="en-US" altLang="zh-CN" sz="6400" b="1" dirty="0">
+              <a:solidFill>
+                <a:srgbClr val="000066"/>
+              </a:solidFill>
+              <a:effectLst/>
+              <a:latin typeface="Microsoft JhengHei" pitchFamily="34" charset="-120"/>
+              <a:ea typeface="Microsoft JhengHei" pitchFamily="34" charset="-120"/>
             </a:endParaRPr>
           </a:p>
-          <a:p>
-            <a:pPr marL="0" indent="0" algn="ctr">
-              <a:buNone/>
-            </a:pPr>
-            <a:r>
-              <a:rPr lang="zh-CN" altLang="en-US" sz="5400" b="1" dirty="0" smtClean="0">
-                <a:latin typeface="Microsoft JhengHei" panose="020B0604030504040204" pitchFamily="34" charset="-120"/>
-                <a:ea typeface="Microsoft JhengHei" panose="020B0604030504040204" pitchFamily="34" charset="-120"/>
-              </a:rPr>
-              <a:t>能</a:t>
-            </a:r>
-            <a:r>
-              <a:rPr lang="zh-CN" altLang="en-US" sz="5400" b="1" dirty="0">
-                <a:latin typeface="Microsoft JhengHei" panose="020B0604030504040204" pitchFamily="34" charset="-120"/>
-                <a:ea typeface="Microsoft JhengHei" panose="020B0604030504040204" pitchFamily="34" charset="-120"/>
-              </a:rPr>
-              <a:t>忘俗</a:t>
-            </a:r>
-            <a:r>
-              <a:rPr lang="zh-CN" altLang="en-US" sz="5400" b="1" dirty="0" smtClean="0">
-                <a:latin typeface="Microsoft JhengHei" panose="020B0604030504040204" pitchFamily="34" charset="-120"/>
-                <a:ea typeface="Microsoft JhengHei" panose="020B0604030504040204" pitchFamily="34" charset="-120"/>
-              </a:rPr>
-              <a:t>慮靜拜真神</a:t>
-            </a:r>
-            <a:endParaRPr lang="en-US" altLang="zh-CN" sz="5400" b="1" dirty="0" smtClean="0">
-              <a:latin typeface="Microsoft JhengHei" panose="020B0604030504040204" pitchFamily="34" charset="-120"/>
-              <a:ea typeface="Microsoft JhengHei" panose="020B0604030504040204" pitchFamily="34" charset="-120"/>
-            </a:endParaRPr>
-          </a:p>
-          <a:p>
-            <a:pPr marL="0" indent="0" algn="ctr">
-              <a:buNone/>
-            </a:pPr>
-            <a:r>
-              <a:rPr lang="zh-CN" altLang="en-US" sz="5400" b="1" dirty="0">
-                <a:latin typeface="Microsoft JhengHei" panose="020B0604030504040204" pitchFamily="34" charset="-120"/>
-                <a:ea typeface="Microsoft JhengHei" panose="020B0604030504040204" pitchFamily="34" charset="-120"/>
-              </a:rPr>
-              <a:t>施恩座前誠敬下</a:t>
-            </a:r>
-            <a:r>
-              <a:rPr lang="zh-CN" altLang="en-US" sz="5400" b="1" dirty="0" smtClean="0">
-                <a:latin typeface="Microsoft JhengHei" panose="020B0604030504040204" pitchFamily="34" charset="-120"/>
-                <a:ea typeface="Microsoft JhengHei" panose="020B0604030504040204" pitchFamily="34" charset="-120"/>
-              </a:rPr>
-              <a:t>俯</a:t>
-            </a:r>
-            <a:endParaRPr lang="en-US" altLang="zh-CN" sz="5400" b="1" dirty="0" smtClean="0">
-              <a:latin typeface="Microsoft JhengHei" panose="020B0604030504040204" pitchFamily="34" charset="-120"/>
-              <a:ea typeface="Microsoft JhengHei" panose="020B0604030504040204" pitchFamily="34" charset="-120"/>
-            </a:endParaRPr>
-          </a:p>
-          <a:p>
-            <a:pPr marL="0" indent="0" algn="ctr">
-              <a:buNone/>
-            </a:pPr>
-            <a:r>
-              <a:rPr lang="zh-CN" altLang="en-US" sz="5400" b="1" dirty="0" smtClean="0">
-                <a:latin typeface="Microsoft JhengHei" panose="020B0604030504040204" pitchFamily="34" charset="-120"/>
-                <a:ea typeface="Microsoft JhengHei" panose="020B0604030504040204" pitchFamily="34" charset="-120"/>
-              </a:rPr>
-              <a:t>諸般所欲祈求天父</a:t>
-            </a:r>
-            <a:endParaRPr lang="en-US" altLang="zh-CN" sz="5400" b="1" dirty="0" smtClean="0">
-              <a:latin typeface="Microsoft JhengHei" panose="020B0604030504040204" pitchFamily="34" charset="-120"/>
-              <a:ea typeface="Microsoft JhengHei" panose="020B0604030504040204" pitchFamily="34" charset="-120"/>
-            </a:endParaRPr>
-          </a:p>
-        </p:txBody>
-      </p:sp>
-      <p:sp>
-        <p:nvSpPr>
-          <p:cNvPr id="4" name="TextBox 3"/>
+        </p:txBody>
+      </p:sp>
+      <p:sp>
+        <p:nvSpPr>
+          <p:cNvPr id="3" name="TextBox 2"/>
           <p:cNvSpPr txBox="1"/>
           <p:nvPr/>
         </p:nvSpPr>
         <p:spPr>
           <a:xfrm>
-            <a:off x="1755971" y="1770133"/>
-            <a:ext cx="1003413" cy="830997"/>
+            <a:off x="0" y="5061182"/>
+            <a:ext cx="12192000" cy="830997"/>
           </a:xfrm>
           <a:prstGeom prst="rect">
             <a:avLst/>
@@ -3276,24 +3374,489 @@
           </a:bodyPr>
           <a:lstStyle/>
           <a:p>
-            <a:r>
-              <a:rPr lang="en-US" sz="4800" b="1" dirty="0" smtClean="0"/>
-              <a:t>1.</a:t>
-            </a:r>
-            <a:endParaRPr lang="vi-VN" sz="4800" b="1" dirty="0"/>
+            <a:pPr algn="ctr"/>
+            <a:r>
+              <a:rPr lang="en-US" sz="4800" b="1" dirty="0">
+                <a:solidFill>
+                  <a:srgbClr val="000066"/>
+                </a:solidFill>
+                <a:effectLst/>
+              </a:rPr>
+              <a:t>( 3 )</a:t>
+            </a:r>
+            <a:endParaRPr lang="vi-VN" sz="4800" b="1" dirty="0">
+              <a:solidFill>
+                <a:srgbClr val="000066"/>
+              </a:solidFill>
+              <a:effectLst/>
+            </a:endParaRPr>
           </a:p>
         </p:txBody>
       </p:sp>
     </p:spTree>
     <p:extLst>
       <p:ext uri="{BB962C8B-B14F-4D97-AF65-F5344CB8AC3E}">
-        <p14:creationId xmlns:p14="http://schemas.microsoft.com/office/powerpoint/2010/main" val="435677658"/>
+        <p14:creationId xmlns:p14="http://schemas.microsoft.com/office/powerpoint/2010/main" val="919980931"/>
       </p:ext>
     </p:extLst>
   </p:cSld>
   <p:clrMapOvr>
     <a:masterClrMapping/>
   </p:clrMapOvr>
+  <p:timing>
+    <p:tnLst>
+      <p:par>
+        <p:cTn id="1" dur="indefinite" restart="never" nodeType="tmRoot"/>
+      </p:par>
+    </p:tnLst>
+  </p:timing>
+</p:sld>
+</file>
+
+<file path=ppt/slides/slide11.xml><?xml version="1.0" encoding="utf-8"?>
+<p:sld xmlns:a="http://schemas.openxmlformats.org/drawingml/2006/main" xmlns:r="http://schemas.openxmlformats.org/officeDocument/2006/relationships" xmlns:p="http://schemas.openxmlformats.org/presentationml/2006/main">
+  <p:cSld>
+    <p:spTree>
+      <p:nvGrpSpPr>
+        <p:cNvPr id="1" name=""/>
+        <p:cNvGrpSpPr/>
+        <p:nvPr/>
+      </p:nvGrpSpPr>
+      <p:grpSpPr>
+        <a:xfrm>
+          <a:off x="0" y="0"/>
+          <a:ext cx="0" cy="0"/>
+          <a:chOff x="0" y="0"/>
+          <a:chExt cx="0" cy="0"/>
+        </a:xfrm>
+      </p:grpSpPr>
+      <p:sp>
+        <p:nvSpPr>
+          <p:cNvPr id="5" name="內容版面配置區 4"/>
+          <p:cNvSpPr>
+            <a:spLocks noGrp="1"/>
+          </p:cNvSpPr>
+          <p:nvPr>
+            <p:ph idx="1"/>
+          </p:nvPr>
+        </p:nvSpPr>
+        <p:spPr>
+          <a:xfrm>
+            <a:off x="0" y="2084851"/>
+            <a:ext cx="12192000" cy="2404863"/>
+          </a:xfrm>
+        </p:spPr>
+        <p:txBody>
+          <a:bodyPr anchor="ctr">
+            <a:normAutofit/>
+          </a:bodyPr>
+          <a:lstStyle/>
+          <a:p>
+            <a:pPr marL="0" indent="0" algn="ctr">
+              <a:buNone/>
+            </a:pPr>
+            <a:r>
+              <a:rPr lang="zh-CN" altLang="en-US" sz="6400" b="1" dirty="0">
+                <a:solidFill>
+                  <a:srgbClr val="000066"/>
+                </a:solidFill>
+                <a:effectLst/>
+                <a:latin typeface="Microsoft JhengHei" pitchFamily="34" charset="-120"/>
+                <a:ea typeface="Microsoft JhengHei" pitchFamily="34" charset="-120"/>
+              </a:rPr>
+              <a:t>臨危遙望迦南美地</a:t>
+            </a:r>
+            <a:endParaRPr lang="en-US" altLang="zh-CN" sz="6400" b="1" dirty="0">
+              <a:solidFill>
+                <a:srgbClr val="000066"/>
+              </a:solidFill>
+              <a:effectLst/>
+              <a:latin typeface="Microsoft JhengHei" pitchFamily="34" charset="-120"/>
+              <a:ea typeface="Microsoft JhengHei" pitchFamily="34" charset="-120"/>
+            </a:endParaRPr>
+          </a:p>
+          <a:p>
+            <a:pPr marL="0" indent="0" algn="ctr">
+              <a:buNone/>
+            </a:pPr>
+            <a:r>
+              <a:rPr lang="zh-CN" altLang="en-US" sz="6400" b="1" dirty="0">
+                <a:solidFill>
+                  <a:srgbClr val="000066"/>
+                </a:solidFill>
+                <a:effectLst/>
+                <a:latin typeface="Microsoft JhengHei" pitchFamily="34" charset="-120"/>
+                <a:ea typeface="Microsoft JhengHei" pitchFamily="34" charset="-120"/>
+              </a:rPr>
+              <a:t>喜脱塵世飛騰展翅</a:t>
+            </a:r>
+            <a:endParaRPr lang="vi-VN" sz="6400" b="1" dirty="0">
+              <a:solidFill>
+                <a:srgbClr val="000066"/>
+              </a:solidFill>
+              <a:effectLst/>
+              <a:latin typeface="Microsoft JhengHei" pitchFamily="34" charset="-120"/>
+              <a:ea typeface="Microsoft JhengHei" pitchFamily="34" charset="-120"/>
+            </a:endParaRPr>
+          </a:p>
+        </p:txBody>
+      </p:sp>
+      <p:sp>
+        <p:nvSpPr>
+          <p:cNvPr id="3" name="TextBox 2"/>
+          <p:cNvSpPr txBox="1"/>
+          <p:nvPr/>
+        </p:nvSpPr>
+        <p:spPr>
+          <a:xfrm>
+            <a:off x="0" y="5061182"/>
+            <a:ext cx="12192000" cy="830997"/>
+          </a:xfrm>
+          <a:prstGeom prst="rect">
+            <a:avLst/>
+          </a:prstGeom>
+          <a:noFill/>
+        </p:spPr>
+        <p:txBody>
+          <a:bodyPr wrap="square" rtlCol="0">
+            <a:spAutoFit/>
+          </a:bodyPr>
+          <a:lstStyle/>
+          <a:p>
+            <a:pPr algn="ctr"/>
+            <a:r>
+              <a:rPr lang="en-US" sz="4800" b="1" dirty="0">
+                <a:solidFill>
+                  <a:srgbClr val="000066"/>
+                </a:solidFill>
+                <a:effectLst/>
+              </a:rPr>
+              <a:t>( 3 )</a:t>
+            </a:r>
+            <a:endParaRPr lang="vi-VN" sz="4800" b="1" dirty="0">
+              <a:solidFill>
+                <a:srgbClr val="000066"/>
+              </a:solidFill>
+              <a:effectLst/>
+            </a:endParaRPr>
+          </a:p>
+        </p:txBody>
+      </p:sp>
+    </p:spTree>
+    <p:extLst>
+      <p:ext uri="{BB962C8B-B14F-4D97-AF65-F5344CB8AC3E}">
+        <p14:creationId xmlns:p14="http://schemas.microsoft.com/office/powerpoint/2010/main" val="2152981763"/>
+      </p:ext>
+    </p:extLst>
+  </p:cSld>
+  <p:clrMapOvr>
+    <a:masterClrMapping/>
+  </p:clrMapOvr>
+  <p:timing>
+    <p:tnLst>
+      <p:par>
+        <p:cTn id="1" dur="indefinite" restart="never" nodeType="tmRoot"/>
+      </p:par>
+    </p:tnLst>
+  </p:timing>
+</p:sld>
+</file>
+
+<file path=ppt/slides/slide12.xml><?xml version="1.0" encoding="utf-8"?>
+<p:sld xmlns:a="http://schemas.openxmlformats.org/drawingml/2006/main" xmlns:r="http://schemas.openxmlformats.org/officeDocument/2006/relationships" xmlns:p="http://schemas.openxmlformats.org/presentationml/2006/main">
+  <p:cSld>
+    <p:spTree>
+      <p:nvGrpSpPr>
+        <p:cNvPr id="1" name=""/>
+        <p:cNvGrpSpPr/>
+        <p:nvPr/>
+      </p:nvGrpSpPr>
+      <p:grpSpPr>
+        <a:xfrm>
+          <a:off x="0" y="0"/>
+          <a:ext cx="0" cy="0"/>
+          <a:chOff x="0" y="0"/>
+          <a:chExt cx="0" cy="0"/>
+        </a:xfrm>
+      </p:grpSpPr>
+      <p:sp>
+        <p:nvSpPr>
+          <p:cNvPr id="5" name="內容版面配置區 4"/>
+          <p:cNvSpPr>
+            <a:spLocks noGrp="1"/>
+          </p:cNvSpPr>
+          <p:nvPr>
+            <p:ph idx="1"/>
+          </p:nvPr>
+        </p:nvSpPr>
+        <p:spPr>
+          <a:xfrm>
+            <a:off x="0" y="2084851"/>
+            <a:ext cx="12192000" cy="2404863"/>
+          </a:xfrm>
+        </p:spPr>
+        <p:txBody>
+          <a:bodyPr anchor="ctr">
+            <a:normAutofit/>
+          </a:bodyPr>
+          <a:lstStyle/>
+          <a:p>
+            <a:pPr marL="0" indent="0" algn="ctr">
+              <a:buNone/>
+            </a:pPr>
+            <a:r>
+              <a:rPr lang="zh-CN" altLang="en-US" sz="6400" b="1" dirty="0">
+                <a:solidFill>
+                  <a:srgbClr val="000066"/>
+                </a:solidFill>
+                <a:effectLst/>
+                <a:latin typeface="Microsoft JhengHei" pitchFamily="34" charset="-120"/>
+                <a:ea typeface="Microsoft JhengHei" pitchFamily="34" charset="-120"/>
+              </a:rPr>
+              <a:t>我必上升領主獎賞</a:t>
+            </a:r>
+            <a:endParaRPr lang="en-US" altLang="zh-CN" sz="6400" b="1" dirty="0">
+              <a:solidFill>
+                <a:srgbClr val="000066"/>
+              </a:solidFill>
+              <a:effectLst/>
+              <a:latin typeface="Microsoft JhengHei" pitchFamily="34" charset="-120"/>
+              <a:ea typeface="Microsoft JhengHei" pitchFamily="34" charset="-120"/>
+            </a:endParaRPr>
+          </a:p>
+          <a:p>
+            <a:pPr marL="0" indent="0" algn="ctr">
+              <a:buNone/>
+            </a:pPr>
+            <a:r>
+              <a:rPr lang="zh-CN" altLang="en-US" sz="6400" b="1" dirty="0">
+                <a:solidFill>
+                  <a:srgbClr val="000066"/>
+                </a:solidFill>
+                <a:effectLst/>
+                <a:latin typeface="Microsoft JhengHei" pitchFamily="34" charset="-120"/>
+                <a:ea typeface="Microsoft JhengHei" pitchFamily="34" charset="-120"/>
+              </a:rPr>
+              <a:t>畏懼消失神淸氣爽</a:t>
+            </a:r>
+            <a:endParaRPr lang="en-US" altLang="zh-CN" sz="6400" b="1" dirty="0">
+              <a:solidFill>
+                <a:srgbClr val="000066"/>
+              </a:solidFill>
+              <a:effectLst/>
+              <a:latin typeface="Microsoft JhengHei" pitchFamily="34" charset="-120"/>
+              <a:ea typeface="Microsoft JhengHei" pitchFamily="34" charset="-120"/>
+            </a:endParaRPr>
+          </a:p>
+        </p:txBody>
+      </p:sp>
+      <p:sp>
+        <p:nvSpPr>
+          <p:cNvPr id="3" name="TextBox 2"/>
+          <p:cNvSpPr txBox="1"/>
+          <p:nvPr/>
+        </p:nvSpPr>
+        <p:spPr>
+          <a:xfrm>
+            <a:off x="0" y="5061182"/>
+            <a:ext cx="12192000" cy="830997"/>
+          </a:xfrm>
+          <a:prstGeom prst="rect">
+            <a:avLst/>
+          </a:prstGeom>
+          <a:noFill/>
+        </p:spPr>
+        <p:txBody>
+          <a:bodyPr wrap="square" rtlCol="0">
+            <a:spAutoFit/>
+          </a:bodyPr>
+          <a:lstStyle/>
+          <a:p>
+            <a:pPr algn="ctr"/>
+            <a:r>
+              <a:rPr lang="en-US" sz="4800" b="1" dirty="0">
+                <a:solidFill>
+                  <a:srgbClr val="000066"/>
+                </a:solidFill>
+                <a:effectLst/>
+              </a:rPr>
+              <a:t>( 3 )</a:t>
+            </a:r>
+            <a:endParaRPr lang="vi-VN" sz="4800" b="1" dirty="0">
+              <a:solidFill>
+                <a:srgbClr val="000066"/>
+              </a:solidFill>
+              <a:effectLst/>
+            </a:endParaRPr>
+          </a:p>
+        </p:txBody>
+      </p:sp>
+    </p:spTree>
+    <p:extLst>
+      <p:ext uri="{BB962C8B-B14F-4D97-AF65-F5344CB8AC3E}">
+        <p14:creationId xmlns:p14="http://schemas.microsoft.com/office/powerpoint/2010/main" val="242905070"/>
+      </p:ext>
+    </p:extLst>
+  </p:cSld>
+  <p:clrMapOvr>
+    <a:masterClrMapping/>
+  </p:clrMapOvr>
+  <p:timing>
+    <p:tnLst>
+      <p:par>
+        <p:cTn id="1" dur="indefinite" restart="never" nodeType="tmRoot"/>
+      </p:par>
+    </p:tnLst>
+  </p:timing>
+</p:sld>
+</file>
+
+<file path=ppt/slides/slide13.xml><?xml version="1.0" encoding="utf-8"?>
+<p:sld xmlns:a="http://schemas.openxmlformats.org/drawingml/2006/main" xmlns:r="http://schemas.openxmlformats.org/officeDocument/2006/relationships" xmlns:p="http://schemas.openxmlformats.org/presentationml/2006/main">
+  <p:cSld>
+    <p:spTree>
+      <p:nvGrpSpPr>
+        <p:cNvPr id="1" name=""/>
+        <p:cNvGrpSpPr/>
+        <p:nvPr/>
+      </p:nvGrpSpPr>
+      <p:grpSpPr>
+        <a:xfrm>
+          <a:off x="0" y="0"/>
+          <a:ext cx="0" cy="0"/>
+          <a:chOff x="0" y="0"/>
+          <a:chExt cx="0" cy="0"/>
+        </a:xfrm>
+      </p:grpSpPr>
+      <p:sp>
+        <p:nvSpPr>
+          <p:cNvPr id="5" name="內容版面配置區 4"/>
+          <p:cNvSpPr>
+            <a:spLocks noGrp="1"/>
+          </p:cNvSpPr>
+          <p:nvPr>
+            <p:ph idx="1"/>
+          </p:nvPr>
+        </p:nvSpPr>
+        <p:spPr>
+          <a:xfrm>
+            <a:off x="0" y="2084851"/>
+            <a:ext cx="12192000" cy="2404863"/>
+          </a:xfrm>
+        </p:spPr>
+        <p:txBody>
+          <a:bodyPr anchor="ctr">
+            <a:normAutofit/>
+          </a:bodyPr>
+          <a:lstStyle/>
+          <a:p>
+            <a:pPr marL="0" indent="0" algn="ctr">
+              <a:buNone/>
+            </a:pPr>
+            <a:r>
+              <a:rPr lang="zh-CN" altLang="en-US" sz="6400" b="1" dirty="0">
+                <a:solidFill>
+                  <a:srgbClr val="000066"/>
+                </a:solidFill>
+                <a:effectLst/>
+                <a:latin typeface="Microsoft JhengHei" pitchFamily="34" charset="-120"/>
+                <a:ea typeface="Microsoft JhengHei" pitchFamily="34" charset="-120"/>
+              </a:rPr>
+              <a:t>將到天門半空歡呼</a:t>
+            </a:r>
+            <a:endParaRPr lang="en-US" altLang="zh-CN" sz="6400" b="1" dirty="0">
+              <a:solidFill>
+                <a:srgbClr val="000066"/>
+              </a:solidFill>
+              <a:effectLst/>
+              <a:latin typeface="Microsoft JhengHei" pitchFamily="34" charset="-120"/>
+              <a:ea typeface="Microsoft JhengHei" pitchFamily="34" charset="-120"/>
+            </a:endParaRPr>
+          </a:p>
+          <a:p>
+            <a:pPr marL="0" indent="0" algn="ctr">
+              <a:buNone/>
+            </a:pPr>
+            <a:r>
+              <a:rPr lang="zh-CN" altLang="en-US" sz="6400" b="1" dirty="0">
+                <a:solidFill>
+                  <a:srgbClr val="000066"/>
+                </a:solidFill>
+                <a:effectLst/>
+                <a:latin typeface="Microsoft JhengHei" pitchFamily="34" charset="-120"/>
+                <a:ea typeface="Microsoft JhengHei" pitchFamily="34" charset="-120"/>
+              </a:rPr>
+              <a:t>我禱靈驗立見耶穌</a:t>
+            </a:r>
+            <a:endParaRPr lang="vi-VN" sz="6400" b="1" dirty="0">
+              <a:solidFill>
+                <a:srgbClr val="000066"/>
+              </a:solidFill>
+              <a:effectLst/>
+              <a:latin typeface="Microsoft JhengHei" pitchFamily="34" charset="-120"/>
+              <a:ea typeface="Microsoft JhengHei" pitchFamily="34" charset="-120"/>
+            </a:endParaRPr>
+          </a:p>
+        </p:txBody>
+      </p:sp>
+      <p:sp>
+        <p:nvSpPr>
+          <p:cNvPr id="3" name="TextBox 2"/>
+          <p:cNvSpPr txBox="1"/>
+          <p:nvPr/>
+        </p:nvSpPr>
+        <p:spPr>
+          <a:xfrm>
+            <a:off x="0" y="5061182"/>
+            <a:ext cx="12192000" cy="830997"/>
+          </a:xfrm>
+          <a:prstGeom prst="rect">
+            <a:avLst/>
+          </a:prstGeom>
+          <a:noFill/>
+        </p:spPr>
+        <p:txBody>
+          <a:bodyPr wrap="square" rtlCol="0">
+            <a:spAutoFit/>
+          </a:bodyPr>
+          <a:lstStyle/>
+          <a:p>
+            <a:pPr algn="ctr"/>
+            <a:r>
+              <a:rPr lang="en-US" sz="4800" b="1" dirty="0">
+                <a:solidFill>
+                  <a:srgbClr val="000066"/>
+                </a:solidFill>
+                <a:effectLst/>
+              </a:rPr>
+              <a:t>( 3 )</a:t>
+            </a:r>
+            <a:endParaRPr lang="vi-VN" sz="4800" b="1" dirty="0">
+              <a:solidFill>
+                <a:srgbClr val="000066"/>
+              </a:solidFill>
+              <a:effectLst/>
+            </a:endParaRPr>
+          </a:p>
+        </p:txBody>
+      </p:sp>
+    </p:spTree>
+    <p:extLst>
+      <p:ext uri="{BB962C8B-B14F-4D97-AF65-F5344CB8AC3E}">
+        <p14:creationId xmlns:p14="http://schemas.microsoft.com/office/powerpoint/2010/main" val="2922329972"/>
+      </p:ext>
+    </p:extLst>
+  </p:cSld>
+  <p:clrMapOvr>
+    <a:masterClrMapping/>
+  </p:clrMapOvr>
+  <p:timing>
+    <p:tnLst>
+      <p:par>
+        <p:cTn id="1" dur="indefinite" restart="never" nodeType="tmRoot"/>
+      </p:par>
+    </p:tnLst>
+  </p:timing>
 </p:sld>
 </file>
 
@@ -3316,158 +3879,85 @@
       </p:grpSpPr>
       <p:sp>
         <p:nvSpPr>
-          <p:cNvPr id="2" name="Title 1"/>
-          <p:cNvSpPr>
-            <a:spLocks noGrp="1"/>
-          </p:cNvSpPr>
-          <p:nvPr>
-            <p:ph type="title"/>
-          </p:nvPr>
-        </p:nvSpPr>
-        <p:spPr/>
-        <p:txBody>
-          <a:bodyPr>
+          <p:cNvPr id="5" name="內容版面配置區 4"/>
+          <p:cNvSpPr>
+            <a:spLocks noGrp="1"/>
+          </p:cNvSpPr>
+          <p:nvPr>
+            <p:ph idx="1"/>
+          </p:nvPr>
+        </p:nvSpPr>
+        <p:spPr>
+          <a:xfrm>
+            <a:off x="0" y="2084851"/>
+            <a:ext cx="12192000" cy="2404863"/>
+          </a:xfrm>
+        </p:spPr>
+        <p:txBody>
+          <a:bodyPr anchor="ctr">
             <a:normAutofit/>
           </a:bodyPr>
           <a:lstStyle/>
           <a:p>
-            <a:r>
-              <a:rPr lang="zh-CN" altLang="en-US" sz="4800" b="1" dirty="0" smtClean="0">
-                <a:latin typeface="Microsoft JhengHei" panose="020B0604030504040204" pitchFamily="34" charset="-120"/>
-                <a:ea typeface="Microsoft JhengHei" panose="020B0604030504040204" pitchFamily="34" charset="-120"/>
+            <a:pPr marL="0" indent="0" algn="ctr">
+              <a:buNone/>
+            </a:pPr>
+            <a:r>
+              <a:rPr lang="zh-CN" altLang="en-US" sz="6400" b="1" dirty="0">
+                <a:solidFill>
+                  <a:srgbClr val="000066"/>
+                </a:solidFill>
+                <a:effectLst/>
+                <a:latin typeface="Microsoft JhengHei" pitchFamily="34" charset="-120"/>
+                <a:ea typeface="Microsoft JhengHei" pitchFamily="34" charset="-120"/>
               </a:rPr>
-              <a:t>禱告良辰</a:t>
-            </a:r>
-            <a:endParaRPr lang="vi-VN" sz="4800" b="1" dirty="0">
-              <a:ea typeface="Microsoft JhengHei" panose="020B0604030504040204" pitchFamily="34" charset="-120"/>
+              <a:t>禱告良辰何等歡欣</a:t>
+            </a:r>
+            <a:endParaRPr lang="en-US" altLang="zh-CN" sz="6400" b="1" dirty="0">
+              <a:solidFill>
+                <a:srgbClr val="000066"/>
+              </a:solidFill>
+              <a:effectLst/>
+              <a:latin typeface="Microsoft JhengHei" pitchFamily="34" charset="-120"/>
+              <a:ea typeface="Microsoft JhengHei" pitchFamily="34" charset="-120"/>
             </a:endParaRPr>
           </a:p>
-        </p:txBody>
-      </p:sp>
-      <p:sp>
-        <p:nvSpPr>
-          <p:cNvPr id="3" name="Content Placeholder 2"/>
-          <p:cNvSpPr>
-            <a:spLocks noGrp="1"/>
-          </p:cNvSpPr>
-          <p:nvPr>
-            <p:ph idx="1"/>
-          </p:nvPr>
+          <a:p>
+            <a:pPr marL="0" indent="0" algn="ctr">
+              <a:buNone/>
+            </a:pPr>
+            <a:r>
+              <a:rPr lang="zh-CN" altLang="en-US" sz="6400" b="1" dirty="0">
+                <a:solidFill>
+                  <a:srgbClr val="000066"/>
+                </a:solidFill>
+                <a:effectLst/>
+                <a:latin typeface="Microsoft JhengHei" pitchFamily="34" charset="-120"/>
+                <a:ea typeface="Microsoft JhengHei" pitchFamily="34" charset="-120"/>
+              </a:rPr>
+              <a:t>能忘俗慮靜拜真神</a:t>
+            </a:r>
+            <a:endParaRPr lang="en-US" altLang="zh-CN" sz="6400" b="1" dirty="0">
+              <a:solidFill>
+                <a:srgbClr val="000066"/>
+              </a:solidFill>
+              <a:effectLst/>
+              <a:latin typeface="Microsoft JhengHei" pitchFamily="34" charset="-120"/>
+              <a:ea typeface="Microsoft JhengHei" pitchFamily="34" charset="-120"/>
+            </a:endParaRPr>
+          </a:p>
+        </p:txBody>
+      </p:sp>
+      <p:sp>
+        <p:nvSpPr>
+          <p:cNvPr id="3" name="TextBox 2"/>
+          <p:cNvSpPr txBox="1"/>
+          <p:nvPr/>
         </p:nvSpPr>
         <p:spPr>
           <a:xfrm>
-            <a:off x="0" y="1600201"/>
-            <a:ext cx="12192000" cy="4525963"/>
-          </a:xfrm>
-        </p:spPr>
-        <p:txBody>
-          <a:bodyPr>
-            <a:noAutofit/>
-          </a:bodyPr>
-          <a:lstStyle/>
-          <a:p>
-            <a:pPr marL="0" indent="0" algn="ctr">
-              <a:buNone/>
-            </a:pPr>
-            <a:r>
-              <a:rPr lang="zh-CN" altLang="en-US" sz="5400" b="1" dirty="0" smtClean="0">
-                <a:latin typeface="Microsoft JhengHei" panose="020B0604030504040204" pitchFamily="34" charset="-120"/>
-                <a:ea typeface="Microsoft JhengHei" panose="020B0604030504040204" pitchFamily="34" charset="-120"/>
-              </a:rPr>
-              <a:t>昔</a:t>
-            </a:r>
-            <a:r>
-              <a:rPr lang="zh-CN" altLang="en-US" sz="5400" b="1" dirty="0">
-                <a:latin typeface="Microsoft JhengHei" panose="020B0604030504040204" pitchFamily="34" charset="-120"/>
-                <a:ea typeface="Microsoft JhengHei" panose="020B0604030504040204" pitchFamily="34" charset="-120"/>
-              </a:rPr>
-              <a:t>時遇難主常保</a:t>
-            </a:r>
-            <a:r>
-              <a:rPr lang="zh-CN" altLang="en-US" sz="5400" b="1" dirty="0" smtClean="0">
-                <a:latin typeface="Microsoft JhengHei" panose="020B0604030504040204" pitchFamily="34" charset="-120"/>
-                <a:ea typeface="Microsoft JhengHei" panose="020B0604030504040204" pitchFamily="34" charset="-120"/>
-              </a:rPr>
-              <a:t>佑</a:t>
-            </a:r>
-            <a:endParaRPr lang="en-US" altLang="zh-CN" sz="5400" b="1" dirty="0" smtClean="0">
-              <a:latin typeface="Microsoft JhengHei" panose="020B0604030504040204" pitchFamily="34" charset="-120"/>
-              <a:ea typeface="Microsoft JhengHei" panose="020B0604030504040204" pitchFamily="34" charset="-120"/>
-            </a:endParaRPr>
-          </a:p>
-          <a:p>
-            <a:pPr marL="0" indent="0" algn="ctr">
-              <a:buNone/>
-            </a:pPr>
-            <a:r>
-              <a:rPr lang="zh-CN" altLang="en-US" sz="5400" b="1" dirty="0" smtClean="0">
-                <a:latin typeface="Microsoft JhengHei" panose="020B0604030504040204" pitchFamily="34" charset="-120"/>
-                <a:ea typeface="Microsoft JhengHei" panose="020B0604030504040204" pitchFamily="34" charset="-120"/>
-              </a:rPr>
-              <a:t>心</a:t>
-            </a:r>
-            <a:r>
-              <a:rPr lang="zh-CN" altLang="en-US" sz="5400" b="1" dirty="0">
-                <a:latin typeface="Microsoft JhengHei" panose="020B0604030504040204" pitchFamily="34" charset="-120"/>
-                <a:ea typeface="Microsoft JhengHei" panose="020B0604030504040204" pitchFamily="34" charset="-120"/>
-              </a:rPr>
-              <a:t>中憂患屢蒙解</a:t>
-            </a:r>
-            <a:r>
-              <a:rPr lang="zh-CN" altLang="en-US" sz="5400" b="1" dirty="0" smtClean="0">
-                <a:latin typeface="Microsoft JhengHei" panose="020B0604030504040204" pitchFamily="34" charset="-120"/>
-                <a:ea typeface="Microsoft JhengHei" panose="020B0604030504040204" pitchFamily="34" charset="-120"/>
-              </a:rPr>
-              <a:t>救</a:t>
-            </a:r>
-            <a:endParaRPr lang="en-US" altLang="zh-CN" sz="5400" b="1" dirty="0" smtClean="0">
-              <a:latin typeface="Microsoft JhengHei" panose="020B0604030504040204" pitchFamily="34" charset="-120"/>
-              <a:ea typeface="Microsoft JhengHei" panose="020B0604030504040204" pitchFamily="34" charset="-120"/>
-            </a:endParaRPr>
-          </a:p>
-          <a:p>
-            <a:pPr marL="0" indent="0" algn="ctr">
-              <a:buNone/>
-            </a:pPr>
-            <a:r>
-              <a:rPr lang="zh-CN" altLang="en-US" sz="5400" b="1" dirty="0" smtClean="0">
-                <a:latin typeface="Microsoft JhengHei" panose="020B0604030504040204" pitchFamily="34" charset="-120"/>
-                <a:ea typeface="Microsoft JhengHei" panose="020B0604030504040204" pitchFamily="34" charset="-120"/>
-              </a:rPr>
-              <a:t>得此恩時即能敵魔</a:t>
-            </a:r>
-            <a:endParaRPr lang="en-US" altLang="zh-CN" sz="5400" b="1" dirty="0" smtClean="0">
-              <a:latin typeface="Microsoft JhengHei" panose="020B0604030504040204" pitchFamily="34" charset="-120"/>
-              <a:ea typeface="Microsoft JhengHei" panose="020B0604030504040204" pitchFamily="34" charset="-120"/>
-            </a:endParaRPr>
-          </a:p>
-          <a:p>
-            <a:pPr marL="0" indent="0" algn="ctr">
-              <a:buNone/>
-            </a:pPr>
-            <a:r>
-              <a:rPr lang="zh-CN" altLang="en-US" sz="5400" b="1" dirty="0" smtClean="0">
-                <a:latin typeface="Microsoft JhengHei" panose="020B0604030504040204" pitchFamily="34" charset="-120"/>
-                <a:ea typeface="Microsoft JhengHei" panose="020B0604030504040204" pitchFamily="34" charset="-120"/>
-              </a:rPr>
-              <a:t>知他詭計不入網羅</a:t>
-            </a:r>
-            <a:endParaRPr lang="vi-VN" sz="5400" b="1" dirty="0">
-              <a:ea typeface="Microsoft JhengHei" panose="020B0604030504040204" pitchFamily="34" charset="-120"/>
-            </a:endParaRPr>
-          </a:p>
-        </p:txBody>
-      </p:sp>
-      <p:sp>
-        <p:nvSpPr>
-          <p:cNvPr id="4" name="TextBox 3"/>
-          <p:cNvSpPr txBox="1"/>
-          <p:nvPr/>
-        </p:nvSpPr>
-        <p:spPr>
-          <a:xfrm>
-            <a:off x="1755971" y="1770133"/>
-            <a:ext cx="1003413" cy="830997"/>
+            <a:off x="0" y="5061182"/>
+            <a:ext cx="12192000" cy="830997"/>
           </a:xfrm>
           <a:prstGeom prst="rect">
             <a:avLst/>
@@ -3480,24 +3970,42 @@
           </a:bodyPr>
           <a:lstStyle/>
           <a:p>
-            <a:r>
-              <a:rPr lang="en-US" sz="4800" b="1" dirty="0" smtClean="0"/>
-              <a:t>1.</a:t>
-            </a:r>
-            <a:endParaRPr lang="vi-VN" sz="4800" b="1" dirty="0"/>
+            <a:pPr algn="ctr"/>
+            <a:r>
+              <a:rPr lang="en-US" sz="4800" b="1" dirty="0">
+                <a:solidFill>
+                  <a:srgbClr val="000066"/>
+                </a:solidFill>
+                <a:effectLst/>
+              </a:rPr>
+              <a:t>( 1 )</a:t>
+            </a:r>
+            <a:endParaRPr lang="vi-VN" sz="4800" b="1" dirty="0">
+              <a:solidFill>
+                <a:srgbClr val="000066"/>
+              </a:solidFill>
+              <a:effectLst/>
+            </a:endParaRPr>
           </a:p>
         </p:txBody>
       </p:sp>
     </p:spTree>
     <p:extLst>
       <p:ext uri="{BB962C8B-B14F-4D97-AF65-F5344CB8AC3E}">
-        <p14:creationId xmlns:p14="http://schemas.microsoft.com/office/powerpoint/2010/main" val="3514752790"/>
+        <p14:creationId xmlns:p14="http://schemas.microsoft.com/office/powerpoint/2010/main" val="4282178520"/>
       </p:ext>
     </p:extLst>
   </p:cSld>
   <p:clrMapOvr>
     <a:masterClrMapping/>
   </p:clrMapOvr>
+  <p:timing>
+    <p:tnLst>
+      <p:par>
+        <p:cTn id="1" dur="indefinite" restart="never" nodeType="tmRoot"/>
+      </p:par>
+    </p:tnLst>
+  </p:timing>
 </p:sld>
 </file>
 
@@ -3520,137 +4028,85 @@
       </p:grpSpPr>
       <p:sp>
         <p:nvSpPr>
-          <p:cNvPr id="2" name="Title 1"/>
-          <p:cNvSpPr>
-            <a:spLocks noGrp="1"/>
-          </p:cNvSpPr>
-          <p:nvPr>
-            <p:ph type="title"/>
-          </p:nvPr>
-        </p:nvSpPr>
-        <p:spPr/>
-        <p:txBody>
-          <a:bodyPr>
+          <p:cNvPr id="5" name="內容版面配置區 4"/>
+          <p:cNvSpPr>
+            <a:spLocks noGrp="1"/>
+          </p:cNvSpPr>
+          <p:nvPr>
+            <p:ph idx="1"/>
+          </p:nvPr>
+        </p:nvSpPr>
+        <p:spPr>
+          <a:xfrm>
+            <a:off x="0" y="2084851"/>
+            <a:ext cx="12192000" cy="2404863"/>
+          </a:xfrm>
+        </p:spPr>
+        <p:txBody>
+          <a:bodyPr anchor="ctr">
             <a:normAutofit/>
           </a:bodyPr>
           <a:lstStyle/>
           <a:p>
-            <a:r>
-              <a:rPr lang="zh-CN" altLang="en-US" sz="4800" b="1" dirty="0" smtClean="0">
-                <a:latin typeface="Microsoft JhengHei" panose="020B0604030504040204" pitchFamily="34" charset="-120"/>
-                <a:ea typeface="Microsoft JhengHei" panose="020B0604030504040204" pitchFamily="34" charset="-120"/>
+            <a:pPr marL="0" indent="0" algn="ctr">
+              <a:buNone/>
+            </a:pPr>
+            <a:r>
+              <a:rPr lang="zh-CN" altLang="en-US" sz="6400" b="1" dirty="0">
+                <a:solidFill>
+                  <a:srgbClr val="000066"/>
+                </a:solidFill>
+                <a:effectLst/>
+                <a:latin typeface="Microsoft JhengHei" pitchFamily="34" charset="-120"/>
+                <a:ea typeface="Microsoft JhengHei" pitchFamily="34" charset="-120"/>
               </a:rPr>
-              <a:t>禱告良辰</a:t>
-            </a:r>
-            <a:endParaRPr lang="vi-VN" sz="4800" b="1" dirty="0">
-              <a:ea typeface="Microsoft JhengHei" panose="020B0604030504040204" pitchFamily="34" charset="-120"/>
+              <a:t>施恩座前誠敬下俯</a:t>
+            </a:r>
+            <a:endParaRPr lang="en-US" altLang="zh-CN" sz="6400" b="1" dirty="0">
+              <a:solidFill>
+                <a:srgbClr val="000066"/>
+              </a:solidFill>
+              <a:effectLst/>
+              <a:latin typeface="Microsoft JhengHei" pitchFamily="34" charset="-120"/>
+              <a:ea typeface="Microsoft JhengHei" pitchFamily="34" charset="-120"/>
             </a:endParaRPr>
           </a:p>
-        </p:txBody>
-      </p:sp>
-      <p:sp>
-        <p:nvSpPr>
-          <p:cNvPr id="3" name="Content Placeholder 2"/>
-          <p:cNvSpPr>
-            <a:spLocks noGrp="1"/>
-          </p:cNvSpPr>
-          <p:nvPr>
-            <p:ph idx="1"/>
-          </p:nvPr>
+          <a:p>
+            <a:pPr marL="0" indent="0" algn="ctr">
+              <a:buNone/>
+            </a:pPr>
+            <a:r>
+              <a:rPr lang="zh-CN" altLang="en-US" sz="6400" b="1" dirty="0">
+                <a:solidFill>
+                  <a:srgbClr val="000066"/>
+                </a:solidFill>
+                <a:effectLst/>
+                <a:latin typeface="Microsoft JhengHei" pitchFamily="34" charset="-120"/>
+                <a:ea typeface="Microsoft JhengHei" pitchFamily="34" charset="-120"/>
+              </a:rPr>
+              <a:t>諸般所欲祈求天父</a:t>
+            </a:r>
+            <a:endParaRPr lang="en-US" altLang="zh-CN" sz="6400" b="1" dirty="0">
+              <a:solidFill>
+                <a:srgbClr val="000066"/>
+              </a:solidFill>
+              <a:effectLst/>
+              <a:latin typeface="Microsoft JhengHei" pitchFamily="34" charset="-120"/>
+              <a:ea typeface="Microsoft JhengHei" pitchFamily="34" charset="-120"/>
+            </a:endParaRPr>
+          </a:p>
+        </p:txBody>
+      </p:sp>
+      <p:sp>
+        <p:nvSpPr>
+          <p:cNvPr id="3" name="TextBox 2"/>
+          <p:cNvSpPr txBox="1"/>
+          <p:nvPr/>
         </p:nvSpPr>
         <p:spPr>
           <a:xfrm>
-            <a:off x="0" y="1600201"/>
-            <a:ext cx="12192000" cy="4525963"/>
-          </a:xfrm>
-        </p:spPr>
-        <p:txBody>
-          <a:bodyPr>
-            <a:noAutofit/>
-          </a:bodyPr>
-          <a:lstStyle/>
-          <a:p>
-            <a:pPr marL="0" indent="0" algn="ctr">
-              <a:buNone/>
-            </a:pPr>
-            <a:r>
-              <a:rPr lang="zh-CN" altLang="en-US" sz="5400" b="1" dirty="0">
-                <a:latin typeface="Microsoft JhengHei" panose="020B0604030504040204" pitchFamily="34" charset="-120"/>
-                <a:ea typeface="Microsoft JhengHei" panose="020B0604030504040204" pitchFamily="34" charset="-120"/>
-              </a:rPr>
-              <a:t>禱告良辰何等歡欣</a:t>
-            </a:r>
-            <a:endParaRPr lang="en-US" altLang="zh-CN" sz="5400" b="1" dirty="0">
-              <a:latin typeface="Microsoft JhengHei" panose="020B0604030504040204" pitchFamily="34" charset="-120"/>
-              <a:ea typeface="Microsoft JhengHei" panose="020B0604030504040204" pitchFamily="34" charset="-120"/>
-            </a:endParaRPr>
-          </a:p>
-          <a:p>
-            <a:pPr marL="0" indent="0" algn="ctr">
-              <a:buNone/>
-            </a:pPr>
-            <a:r>
-              <a:rPr lang="zh-CN" altLang="en-US" sz="5400" b="1" dirty="0" smtClean="0">
-                <a:ea typeface="Microsoft JhengHei" panose="020B0604030504040204" pitchFamily="34" charset="-120"/>
-              </a:rPr>
-              <a:t>言入主耳如香上聞</a:t>
-            </a:r>
-            <a:endParaRPr lang="en-US" altLang="zh-CN" sz="5400" b="1" dirty="0" smtClean="0">
-              <a:ea typeface="Microsoft JhengHei" panose="020B0604030504040204" pitchFamily="34" charset="-120"/>
-            </a:endParaRPr>
-          </a:p>
-          <a:p>
-            <a:pPr marL="0" indent="0" algn="ctr">
-              <a:buNone/>
-            </a:pPr>
-            <a:r>
-              <a:rPr lang="zh-CN" altLang="en-US" sz="5400" b="1" dirty="0">
-                <a:ea typeface="Microsoft JhengHei" panose="020B0604030504040204" pitchFamily="34" charset="-120"/>
-              </a:rPr>
-              <a:t>上</a:t>
-            </a:r>
-            <a:r>
-              <a:rPr lang="zh-CN" altLang="en-US" sz="5400" b="1" dirty="0" smtClean="0">
-                <a:ea typeface="Microsoft JhengHei" panose="020B0604030504040204" pitchFamily="34" charset="-120"/>
-              </a:rPr>
-              <a:t>主誠信必然憐憫</a:t>
-            </a:r>
-            <a:endParaRPr lang="en-US" altLang="zh-CN" sz="5400" b="1" dirty="0" smtClean="0">
-              <a:ea typeface="Microsoft JhengHei" panose="020B0604030504040204" pitchFamily="34" charset="-120"/>
-            </a:endParaRPr>
-          </a:p>
-          <a:p>
-            <a:pPr marL="0" indent="0" algn="ctr">
-              <a:buNone/>
-            </a:pPr>
-            <a:r>
-              <a:rPr lang="zh-CN" altLang="en-US" sz="5400" b="1" dirty="0">
-                <a:ea typeface="Microsoft JhengHei" panose="020B0604030504040204" pitchFamily="34" charset="-120"/>
-              </a:rPr>
-              <a:t>給</a:t>
-            </a:r>
-            <a:r>
-              <a:rPr lang="zh-CN" altLang="en-US" sz="5400" b="1" dirty="0" smtClean="0">
-                <a:ea typeface="Microsoft JhengHei" panose="020B0604030504040204" pitchFamily="34" charset="-120"/>
-              </a:rPr>
-              <a:t>我降福賜恩無盡</a:t>
-            </a:r>
-            <a:endParaRPr lang="vi-VN" sz="5400" b="1" dirty="0">
-              <a:ea typeface="Microsoft JhengHei" panose="020B0604030504040204" pitchFamily="34" charset="-120"/>
-            </a:endParaRPr>
-          </a:p>
-        </p:txBody>
-      </p:sp>
-      <p:sp>
-        <p:nvSpPr>
-          <p:cNvPr id="4" name="TextBox 3"/>
-          <p:cNvSpPr txBox="1"/>
-          <p:nvPr/>
-        </p:nvSpPr>
-        <p:spPr>
-          <a:xfrm>
-            <a:off x="1755971" y="1770133"/>
-            <a:ext cx="1003413" cy="830997"/>
+            <a:off x="0" y="5061182"/>
+            <a:ext cx="12192000" cy="830997"/>
           </a:xfrm>
           <a:prstGeom prst="rect">
             <a:avLst/>
@@ -3663,28 +4119,42 @@
           </a:bodyPr>
           <a:lstStyle/>
           <a:p>
-            <a:r>
-              <a:rPr lang="en-US" sz="4800" b="1" dirty="0"/>
-              <a:t>2</a:t>
-            </a:r>
-            <a:r>
-              <a:rPr lang="en-US" sz="4800" b="1" dirty="0" smtClean="0"/>
-              <a:t>.</a:t>
-            </a:r>
-            <a:endParaRPr lang="vi-VN" sz="4800" b="1" dirty="0"/>
+            <a:pPr algn="ctr"/>
+            <a:r>
+              <a:rPr lang="en-US" sz="4800" b="1" dirty="0">
+                <a:solidFill>
+                  <a:srgbClr val="000066"/>
+                </a:solidFill>
+                <a:effectLst/>
+              </a:rPr>
+              <a:t>( 1 )</a:t>
+            </a:r>
+            <a:endParaRPr lang="vi-VN" sz="4800" b="1" dirty="0">
+              <a:solidFill>
+                <a:srgbClr val="000066"/>
+              </a:solidFill>
+              <a:effectLst/>
+            </a:endParaRPr>
           </a:p>
         </p:txBody>
       </p:sp>
     </p:spTree>
     <p:extLst>
       <p:ext uri="{BB962C8B-B14F-4D97-AF65-F5344CB8AC3E}">
-        <p14:creationId xmlns:p14="http://schemas.microsoft.com/office/powerpoint/2010/main" val="845880918"/>
+        <p14:creationId xmlns:p14="http://schemas.microsoft.com/office/powerpoint/2010/main" val="3812684992"/>
       </p:ext>
     </p:extLst>
   </p:cSld>
   <p:clrMapOvr>
     <a:masterClrMapping/>
   </p:clrMapOvr>
+  <p:timing>
+    <p:tnLst>
+      <p:par>
+        <p:cTn id="1" dur="indefinite" restart="never" nodeType="tmRoot"/>
+      </p:par>
+    </p:tnLst>
+  </p:timing>
 </p:sld>
 </file>
 
@@ -3707,135 +4177,85 @@
       </p:grpSpPr>
       <p:sp>
         <p:nvSpPr>
-          <p:cNvPr id="2" name="Title 1"/>
-          <p:cNvSpPr>
-            <a:spLocks noGrp="1"/>
-          </p:cNvSpPr>
-          <p:nvPr>
-            <p:ph type="title"/>
-          </p:nvPr>
-        </p:nvSpPr>
-        <p:spPr/>
-        <p:txBody>
-          <a:bodyPr>
+          <p:cNvPr id="5" name="內容版面配置區 4"/>
+          <p:cNvSpPr>
+            <a:spLocks noGrp="1"/>
+          </p:cNvSpPr>
+          <p:nvPr>
+            <p:ph idx="1"/>
+          </p:nvPr>
+        </p:nvSpPr>
+        <p:spPr>
+          <a:xfrm>
+            <a:off x="0" y="2084851"/>
+            <a:ext cx="12192000" cy="2404863"/>
+          </a:xfrm>
+        </p:spPr>
+        <p:txBody>
+          <a:bodyPr anchor="ctr">
             <a:normAutofit/>
           </a:bodyPr>
           <a:lstStyle/>
           <a:p>
-            <a:r>
-              <a:rPr lang="zh-CN" altLang="en-US" sz="4800" b="1" dirty="0" smtClean="0">
-                <a:latin typeface="Microsoft JhengHei" panose="020B0604030504040204" pitchFamily="34" charset="-120"/>
-                <a:ea typeface="Microsoft JhengHei" panose="020B0604030504040204" pitchFamily="34" charset="-120"/>
+            <a:pPr marL="0" indent="0" algn="ctr">
+              <a:buNone/>
+            </a:pPr>
+            <a:r>
+              <a:rPr lang="zh-CN" altLang="en-US" sz="6400" b="1" dirty="0">
+                <a:solidFill>
+                  <a:srgbClr val="000066"/>
+                </a:solidFill>
+                <a:effectLst/>
+                <a:latin typeface="Microsoft JhengHei" pitchFamily="34" charset="-120"/>
+                <a:ea typeface="Microsoft JhengHei" pitchFamily="34" charset="-120"/>
               </a:rPr>
-              <a:t>禱告良辰</a:t>
-            </a:r>
-            <a:endParaRPr lang="vi-VN" sz="4800" b="1" dirty="0">
-              <a:ea typeface="Microsoft JhengHei" panose="020B0604030504040204" pitchFamily="34" charset="-120"/>
+              <a:t>昔時遇難主常保佑</a:t>
+            </a:r>
+            <a:endParaRPr lang="en-US" altLang="zh-CN" sz="6400" b="1" dirty="0">
+              <a:solidFill>
+                <a:srgbClr val="000066"/>
+              </a:solidFill>
+              <a:effectLst/>
+              <a:latin typeface="Microsoft JhengHei" pitchFamily="34" charset="-120"/>
+              <a:ea typeface="Microsoft JhengHei" pitchFamily="34" charset="-120"/>
             </a:endParaRPr>
           </a:p>
-        </p:txBody>
-      </p:sp>
-      <p:sp>
-        <p:nvSpPr>
-          <p:cNvPr id="3" name="Content Placeholder 2"/>
-          <p:cNvSpPr>
-            <a:spLocks noGrp="1"/>
-          </p:cNvSpPr>
-          <p:nvPr>
-            <p:ph idx="1"/>
-          </p:nvPr>
+          <a:p>
+            <a:pPr marL="0" indent="0" algn="ctr">
+              <a:buNone/>
+            </a:pPr>
+            <a:r>
+              <a:rPr lang="zh-CN" altLang="en-US" sz="6400" b="1" dirty="0">
+                <a:solidFill>
+                  <a:srgbClr val="000066"/>
+                </a:solidFill>
+                <a:effectLst/>
+                <a:latin typeface="Microsoft JhengHei" pitchFamily="34" charset="-120"/>
+                <a:ea typeface="Microsoft JhengHei" pitchFamily="34" charset="-120"/>
+              </a:rPr>
+              <a:t>心中憂患屢蒙解救</a:t>
+            </a:r>
+            <a:endParaRPr lang="en-US" altLang="zh-CN" sz="6400" b="1" dirty="0">
+              <a:solidFill>
+                <a:srgbClr val="000066"/>
+              </a:solidFill>
+              <a:effectLst/>
+              <a:latin typeface="Microsoft JhengHei" pitchFamily="34" charset="-120"/>
+              <a:ea typeface="Microsoft JhengHei" pitchFamily="34" charset="-120"/>
+            </a:endParaRPr>
+          </a:p>
+        </p:txBody>
+      </p:sp>
+      <p:sp>
+        <p:nvSpPr>
+          <p:cNvPr id="3" name="TextBox 2"/>
+          <p:cNvSpPr txBox="1"/>
+          <p:nvPr/>
         </p:nvSpPr>
         <p:spPr>
           <a:xfrm>
-            <a:off x="0" y="1600201"/>
-            <a:ext cx="12192000" cy="4525963"/>
-          </a:xfrm>
-        </p:spPr>
-        <p:txBody>
-          <a:bodyPr>
-            <a:noAutofit/>
-          </a:bodyPr>
-          <a:lstStyle/>
-          <a:p>
-            <a:pPr marL="0" indent="0" algn="ctr">
-              <a:buNone/>
-            </a:pPr>
-            <a:r>
-              <a:rPr lang="zh-CN" altLang="en-US" sz="5400" b="1" dirty="0" smtClean="0">
-                <a:ea typeface="Microsoft JhengHei" panose="020B0604030504040204" pitchFamily="34" charset="-120"/>
-              </a:rPr>
-              <a:t>昔會命我求拜主面</a:t>
-            </a:r>
-            <a:endParaRPr lang="en-US" altLang="zh-CN" sz="5400" b="1" dirty="0" smtClean="0">
-              <a:ea typeface="Microsoft JhengHei" panose="020B0604030504040204" pitchFamily="34" charset="-120"/>
-            </a:endParaRPr>
-          </a:p>
-          <a:p>
-            <a:pPr marL="0" indent="0" algn="ctr">
-              <a:buNone/>
-            </a:pPr>
-            <a:r>
-              <a:rPr lang="zh-CN" altLang="en-US" sz="5400" b="1" dirty="0">
-                <a:ea typeface="Microsoft JhengHei" panose="020B0604030504040204" pitchFamily="34" charset="-120"/>
-              </a:rPr>
-              <a:t>信主言語靠主恩</a:t>
-            </a:r>
-            <a:r>
-              <a:rPr lang="zh-CN" altLang="en-US" sz="5400" b="1" dirty="0" smtClean="0">
-                <a:ea typeface="Microsoft JhengHei" panose="020B0604030504040204" pitchFamily="34" charset="-120"/>
-              </a:rPr>
-              <a:t>眷</a:t>
-            </a:r>
-            <a:endParaRPr lang="en-US" altLang="zh-CN" sz="5400" b="1" dirty="0" smtClean="0">
-              <a:ea typeface="Microsoft JhengHei" panose="020B0604030504040204" pitchFamily="34" charset="-120"/>
-            </a:endParaRPr>
-          </a:p>
-          <a:p>
-            <a:pPr marL="0" indent="0" algn="ctr">
-              <a:buNone/>
-            </a:pPr>
-            <a:r>
-              <a:rPr lang="zh-CN" altLang="en-US" sz="5400" b="1" dirty="0" smtClean="0">
-                <a:ea typeface="Microsoft JhengHei" panose="020B0604030504040204" pitchFamily="34" charset="-120"/>
-              </a:rPr>
-              <a:t>今就恩座我跪主前</a:t>
-            </a:r>
-            <a:endParaRPr lang="en-US" altLang="zh-CN" sz="5400" b="1" dirty="0" smtClean="0">
-              <a:ea typeface="Microsoft JhengHei" panose="020B0604030504040204" pitchFamily="34" charset="-120"/>
-            </a:endParaRPr>
-          </a:p>
-          <a:p>
-            <a:pPr marL="0" indent="0" algn="ctr">
-              <a:buNone/>
-            </a:pPr>
-            <a:r>
-              <a:rPr lang="zh-CN" altLang="en-US" sz="5400" b="1" dirty="0">
-                <a:ea typeface="Microsoft JhengHei" panose="020B0604030504040204" pitchFamily="34" charset="-120"/>
-              </a:rPr>
-              <a:t>一</a:t>
-            </a:r>
-            <a:r>
-              <a:rPr lang="zh-CN" altLang="en-US" sz="5400" b="1" dirty="0" smtClean="0">
-                <a:ea typeface="Microsoft JhengHei" panose="020B0604030504040204" pitchFamily="34" charset="-120"/>
-              </a:rPr>
-              <a:t>切憂慮託主在天</a:t>
-            </a:r>
-            <a:endParaRPr lang="vi-VN" sz="5400" b="1" dirty="0">
-              <a:ea typeface="Microsoft JhengHei" panose="020B0604030504040204" pitchFamily="34" charset="-120"/>
-            </a:endParaRPr>
-          </a:p>
-        </p:txBody>
-      </p:sp>
-      <p:sp>
-        <p:nvSpPr>
-          <p:cNvPr id="4" name="TextBox 3"/>
-          <p:cNvSpPr txBox="1"/>
-          <p:nvPr/>
-        </p:nvSpPr>
-        <p:spPr>
-          <a:xfrm>
-            <a:off x="1755971" y="1770133"/>
-            <a:ext cx="1003413" cy="830997"/>
+            <a:off x="0" y="5061182"/>
+            <a:ext cx="12192000" cy="830997"/>
           </a:xfrm>
           <a:prstGeom prst="rect">
             <a:avLst/>
@@ -3848,28 +4268,42 @@
           </a:bodyPr>
           <a:lstStyle/>
           <a:p>
-            <a:r>
-              <a:rPr lang="en-US" sz="4800" b="1" dirty="0"/>
-              <a:t>2</a:t>
-            </a:r>
-            <a:r>
-              <a:rPr lang="en-US" sz="4800" b="1" dirty="0" smtClean="0"/>
-              <a:t>.</a:t>
-            </a:r>
-            <a:endParaRPr lang="vi-VN" sz="4800" b="1" dirty="0"/>
+            <a:pPr algn="ctr"/>
+            <a:r>
+              <a:rPr lang="en-US" sz="4800" b="1" dirty="0">
+                <a:solidFill>
+                  <a:srgbClr val="000066"/>
+                </a:solidFill>
+                <a:effectLst/>
+              </a:rPr>
+              <a:t>( 1 )</a:t>
+            </a:r>
+            <a:endParaRPr lang="vi-VN" sz="4800" b="1" dirty="0">
+              <a:solidFill>
+                <a:srgbClr val="000066"/>
+              </a:solidFill>
+              <a:effectLst/>
+            </a:endParaRPr>
           </a:p>
         </p:txBody>
       </p:sp>
     </p:spTree>
     <p:extLst>
       <p:ext uri="{BB962C8B-B14F-4D97-AF65-F5344CB8AC3E}">
-        <p14:creationId xmlns:p14="http://schemas.microsoft.com/office/powerpoint/2010/main" val="3000807321"/>
+        <p14:creationId xmlns:p14="http://schemas.microsoft.com/office/powerpoint/2010/main" val="2571513116"/>
       </p:ext>
     </p:extLst>
   </p:cSld>
   <p:clrMapOvr>
     <a:masterClrMapping/>
   </p:clrMapOvr>
+  <p:timing>
+    <p:tnLst>
+      <p:par>
+        <p:cTn id="1" dur="indefinite" restart="never" nodeType="tmRoot"/>
+      </p:par>
+    </p:tnLst>
+  </p:timing>
 </p:sld>
 </file>
 
@@ -3892,131 +4326,85 @@
       </p:grpSpPr>
       <p:sp>
         <p:nvSpPr>
-          <p:cNvPr id="2" name="Title 1"/>
-          <p:cNvSpPr>
-            <a:spLocks noGrp="1"/>
-          </p:cNvSpPr>
-          <p:nvPr>
-            <p:ph type="title"/>
-          </p:nvPr>
-        </p:nvSpPr>
-        <p:spPr/>
-        <p:txBody>
-          <a:bodyPr>
+          <p:cNvPr id="5" name="內容版面配置區 4"/>
+          <p:cNvSpPr>
+            <a:spLocks noGrp="1"/>
+          </p:cNvSpPr>
+          <p:nvPr>
+            <p:ph idx="1"/>
+          </p:nvPr>
+        </p:nvSpPr>
+        <p:spPr>
+          <a:xfrm>
+            <a:off x="0" y="2084851"/>
+            <a:ext cx="12192000" cy="2404863"/>
+          </a:xfrm>
+        </p:spPr>
+        <p:txBody>
+          <a:bodyPr anchor="ctr">
             <a:normAutofit/>
           </a:bodyPr>
           <a:lstStyle/>
           <a:p>
-            <a:r>
-              <a:rPr lang="zh-CN" altLang="en-US" sz="4800" b="1" dirty="0" smtClean="0">
-                <a:latin typeface="Microsoft JhengHei" panose="020B0604030504040204" pitchFamily="34" charset="-120"/>
-                <a:ea typeface="Microsoft JhengHei" panose="020B0604030504040204" pitchFamily="34" charset="-120"/>
+            <a:pPr marL="0" indent="0" algn="ctr">
+              <a:buNone/>
+            </a:pPr>
+            <a:r>
+              <a:rPr lang="zh-CN" altLang="en-US" sz="6400" b="1" dirty="0">
+                <a:solidFill>
+                  <a:srgbClr val="000066"/>
+                </a:solidFill>
+                <a:effectLst/>
+                <a:latin typeface="Microsoft JhengHei" pitchFamily="34" charset="-120"/>
+                <a:ea typeface="Microsoft JhengHei" pitchFamily="34" charset="-120"/>
               </a:rPr>
-              <a:t>禱告良辰</a:t>
-            </a:r>
-            <a:endParaRPr lang="vi-VN" sz="4800" b="1" dirty="0">
-              <a:ea typeface="Microsoft JhengHei" panose="020B0604030504040204" pitchFamily="34" charset="-120"/>
+              <a:t>得此恩時即能敵魔</a:t>
+            </a:r>
+            <a:endParaRPr lang="en-US" altLang="zh-CN" sz="6400" b="1" dirty="0">
+              <a:solidFill>
+                <a:srgbClr val="000066"/>
+              </a:solidFill>
+              <a:effectLst/>
+              <a:latin typeface="Microsoft JhengHei" pitchFamily="34" charset="-120"/>
+              <a:ea typeface="Microsoft JhengHei" pitchFamily="34" charset="-120"/>
             </a:endParaRPr>
           </a:p>
-        </p:txBody>
-      </p:sp>
-      <p:sp>
-        <p:nvSpPr>
-          <p:cNvPr id="3" name="Content Placeholder 2"/>
-          <p:cNvSpPr>
-            <a:spLocks noGrp="1"/>
-          </p:cNvSpPr>
-          <p:nvPr>
-            <p:ph idx="1"/>
-          </p:nvPr>
+          <a:p>
+            <a:pPr marL="0" indent="0" algn="ctr">
+              <a:buNone/>
+            </a:pPr>
+            <a:r>
+              <a:rPr lang="zh-CN" altLang="en-US" sz="6400" b="1" dirty="0">
+                <a:solidFill>
+                  <a:srgbClr val="000066"/>
+                </a:solidFill>
+                <a:effectLst/>
+                <a:latin typeface="Microsoft JhengHei" pitchFamily="34" charset="-120"/>
+                <a:ea typeface="Microsoft JhengHei" pitchFamily="34" charset="-120"/>
+              </a:rPr>
+              <a:t>知他詭計不入網羅</a:t>
+            </a:r>
+            <a:endParaRPr lang="vi-VN" sz="6400" b="1" dirty="0">
+              <a:solidFill>
+                <a:srgbClr val="000066"/>
+              </a:solidFill>
+              <a:effectLst/>
+              <a:latin typeface="Microsoft JhengHei" pitchFamily="34" charset="-120"/>
+              <a:ea typeface="Microsoft JhengHei" pitchFamily="34" charset="-120"/>
+            </a:endParaRPr>
+          </a:p>
+        </p:txBody>
+      </p:sp>
+      <p:sp>
+        <p:nvSpPr>
+          <p:cNvPr id="3" name="TextBox 2"/>
+          <p:cNvSpPr txBox="1"/>
+          <p:nvPr/>
         </p:nvSpPr>
         <p:spPr>
           <a:xfrm>
-            <a:off x="0" y="1600201"/>
-            <a:ext cx="12192000" cy="4525963"/>
-          </a:xfrm>
-        </p:spPr>
-        <p:txBody>
-          <a:bodyPr>
-            <a:noAutofit/>
-          </a:bodyPr>
-          <a:lstStyle/>
-          <a:p>
-            <a:pPr marL="0" indent="0" algn="ctr">
-              <a:buNone/>
-            </a:pPr>
-            <a:r>
-              <a:rPr lang="zh-CN" altLang="en-US" sz="5400" b="1" dirty="0">
-                <a:latin typeface="Microsoft JhengHei" panose="020B0604030504040204" pitchFamily="34" charset="-120"/>
-                <a:ea typeface="Microsoft JhengHei" panose="020B0604030504040204" pitchFamily="34" charset="-120"/>
-              </a:rPr>
-              <a:t>禱告良辰何等歡欣</a:t>
-            </a:r>
-            <a:endParaRPr lang="en-US" altLang="zh-CN" sz="5400" b="1" dirty="0">
-              <a:latin typeface="Microsoft JhengHei" panose="020B0604030504040204" pitchFamily="34" charset="-120"/>
-              <a:ea typeface="Microsoft JhengHei" panose="020B0604030504040204" pitchFamily="34" charset="-120"/>
-            </a:endParaRPr>
-          </a:p>
-          <a:p>
-            <a:pPr marL="0" indent="0" algn="ctr">
-              <a:buNone/>
-            </a:pPr>
-            <a:r>
-              <a:rPr lang="zh-CN" altLang="en-US" sz="5400" b="1" dirty="0" smtClean="0">
-                <a:ea typeface="Microsoft JhengHei" panose="020B0604030504040204" pitchFamily="34" charset="-120"/>
-              </a:rPr>
-              <a:t>每逢求主安慰我心</a:t>
-            </a:r>
-            <a:endParaRPr lang="en-US" altLang="zh-CN" sz="5400" b="1" dirty="0" smtClean="0">
-              <a:ea typeface="Microsoft JhengHei" panose="020B0604030504040204" pitchFamily="34" charset="-120"/>
-            </a:endParaRPr>
-          </a:p>
-          <a:p>
-            <a:pPr marL="0" indent="0" algn="ctr">
-              <a:buNone/>
-            </a:pPr>
-            <a:r>
-              <a:rPr lang="zh-CN" altLang="en-US" sz="5400" b="1" dirty="0" smtClean="0">
-                <a:ea typeface="Microsoft JhengHei" panose="020B0604030504040204" pitchFamily="34" charset="-120"/>
-              </a:rPr>
-              <a:t>臨危遙望迦南美地</a:t>
-            </a:r>
-            <a:endParaRPr lang="en-US" altLang="zh-CN" sz="5400" b="1" dirty="0" smtClean="0">
-              <a:ea typeface="Microsoft JhengHei" panose="020B0604030504040204" pitchFamily="34" charset="-120"/>
-            </a:endParaRPr>
-          </a:p>
-          <a:p>
-            <a:pPr marL="0" indent="0" algn="ctr">
-              <a:buNone/>
-            </a:pPr>
-            <a:r>
-              <a:rPr lang="zh-CN" altLang="en-US" sz="5400" b="1" dirty="0">
-                <a:ea typeface="Microsoft JhengHei" panose="020B0604030504040204" pitchFamily="34" charset="-120"/>
-              </a:rPr>
-              <a:t>喜脱</a:t>
-            </a:r>
-            <a:r>
-              <a:rPr lang="zh-CN" altLang="en-US" sz="5400" b="1" dirty="0" smtClean="0">
-                <a:ea typeface="Microsoft JhengHei" panose="020B0604030504040204" pitchFamily="34" charset="-120"/>
-              </a:rPr>
-              <a:t>塵世飛騰展翅</a:t>
-            </a:r>
-            <a:endParaRPr lang="vi-VN" sz="5400" b="1" dirty="0">
-              <a:ea typeface="Microsoft JhengHei" panose="020B0604030504040204" pitchFamily="34" charset="-120"/>
-            </a:endParaRPr>
-          </a:p>
-        </p:txBody>
-      </p:sp>
-      <p:sp>
-        <p:nvSpPr>
-          <p:cNvPr id="4" name="TextBox 3"/>
-          <p:cNvSpPr txBox="1"/>
-          <p:nvPr/>
-        </p:nvSpPr>
-        <p:spPr>
-          <a:xfrm>
-            <a:off x="1755971" y="1770133"/>
-            <a:ext cx="1003413" cy="830997"/>
+            <a:off x="0" y="5061182"/>
+            <a:ext cx="12192000" cy="830997"/>
           </a:xfrm>
           <a:prstGeom prst="rect">
             <a:avLst/>
@@ -4029,24 +4417,42 @@
           </a:bodyPr>
           <a:lstStyle/>
           <a:p>
-            <a:r>
-              <a:rPr lang="en-US" sz="4800" b="1" dirty="0" smtClean="0"/>
-              <a:t>3.</a:t>
-            </a:r>
-            <a:endParaRPr lang="vi-VN" sz="4800" b="1" dirty="0"/>
+            <a:pPr algn="ctr"/>
+            <a:r>
+              <a:rPr lang="en-US" sz="4800" b="1" dirty="0">
+                <a:solidFill>
+                  <a:srgbClr val="000066"/>
+                </a:solidFill>
+                <a:effectLst/>
+              </a:rPr>
+              <a:t>( 1 )</a:t>
+            </a:r>
+            <a:endParaRPr lang="vi-VN" sz="4800" b="1" dirty="0">
+              <a:solidFill>
+                <a:srgbClr val="000066"/>
+              </a:solidFill>
+              <a:effectLst/>
+            </a:endParaRPr>
           </a:p>
         </p:txBody>
       </p:sp>
     </p:spTree>
     <p:extLst>
       <p:ext uri="{BB962C8B-B14F-4D97-AF65-F5344CB8AC3E}">
-        <p14:creationId xmlns:p14="http://schemas.microsoft.com/office/powerpoint/2010/main" val="1106882055"/>
+        <p14:creationId xmlns:p14="http://schemas.microsoft.com/office/powerpoint/2010/main" val="3180532735"/>
       </p:ext>
     </p:extLst>
   </p:cSld>
   <p:clrMapOvr>
     <a:masterClrMapping/>
   </p:clrMapOvr>
+  <p:timing>
+    <p:tnLst>
+      <p:par>
+        <p:cTn id="1" dur="indefinite" restart="never" nodeType="tmRoot"/>
+      </p:par>
+    </p:tnLst>
+  </p:timing>
 </p:sld>
 </file>
 
@@ -4069,129 +4475,85 @@
       </p:grpSpPr>
       <p:sp>
         <p:nvSpPr>
-          <p:cNvPr id="2" name="Title 1"/>
-          <p:cNvSpPr>
-            <a:spLocks noGrp="1"/>
-          </p:cNvSpPr>
-          <p:nvPr>
-            <p:ph type="title"/>
-          </p:nvPr>
-        </p:nvSpPr>
-        <p:spPr/>
-        <p:txBody>
-          <a:bodyPr>
+          <p:cNvPr id="5" name="內容版面配置區 4"/>
+          <p:cNvSpPr>
+            <a:spLocks noGrp="1"/>
+          </p:cNvSpPr>
+          <p:nvPr>
+            <p:ph idx="1"/>
+          </p:nvPr>
+        </p:nvSpPr>
+        <p:spPr>
+          <a:xfrm>
+            <a:off x="0" y="2084851"/>
+            <a:ext cx="12192000" cy="2404863"/>
+          </a:xfrm>
+        </p:spPr>
+        <p:txBody>
+          <a:bodyPr anchor="ctr">
             <a:normAutofit/>
           </a:bodyPr>
           <a:lstStyle/>
           <a:p>
-            <a:r>
-              <a:rPr lang="zh-CN" altLang="en-US" sz="4800" b="1" dirty="0" smtClean="0">
-                <a:latin typeface="Microsoft JhengHei" panose="020B0604030504040204" pitchFamily="34" charset="-120"/>
-                <a:ea typeface="Microsoft JhengHei" panose="020B0604030504040204" pitchFamily="34" charset="-120"/>
+            <a:pPr marL="0" indent="0" algn="ctr">
+              <a:buNone/>
+            </a:pPr>
+            <a:r>
+              <a:rPr lang="zh-CN" altLang="en-US" sz="6400" b="1" dirty="0">
+                <a:solidFill>
+                  <a:srgbClr val="000066"/>
+                </a:solidFill>
+                <a:effectLst/>
+                <a:latin typeface="Microsoft JhengHei" pitchFamily="34" charset="-120"/>
+                <a:ea typeface="Microsoft JhengHei" pitchFamily="34" charset="-120"/>
               </a:rPr>
-              <a:t>禱告良辰</a:t>
-            </a:r>
-            <a:endParaRPr lang="vi-VN" sz="4800" b="1" dirty="0">
-              <a:ea typeface="Microsoft JhengHei" panose="020B0604030504040204" pitchFamily="34" charset="-120"/>
+              <a:t>禱告良辰何等歡欣</a:t>
+            </a:r>
+            <a:endParaRPr lang="en-US" altLang="zh-CN" sz="6400" b="1" dirty="0">
+              <a:solidFill>
+                <a:srgbClr val="000066"/>
+              </a:solidFill>
+              <a:effectLst/>
+              <a:latin typeface="Microsoft JhengHei" pitchFamily="34" charset="-120"/>
+              <a:ea typeface="Microsoft JhengHei" pitchFamily="34" charset="-120"/>
             </a:endParaRPr>
           </a:p>
-        </p:txBody>
-      </p:sp>
-      <p:sp>
-        <p:nvSpPr>
-          <p:cNvPr id="3" name="Content Placeholder 2"/>
-          <p:cNvSpPr>
-            <a:spLocks noGrp="1"/>
-          </p:cNvSpPr>
-          <p:nvPr>
-            <p:ph idx="1"/>
-          </p:nvPr>
+          <a:p>
+            <a:pPr marL="0" indent="0" algn="ctr">
+              <a:buNone/>
+            </a:pPr>
+            <a:r>
+              <a:rPr lang="zh-CN" altLang="en-US" sz="6400" b="1" dirty="0">
+                <a:solidFill>
+                  <a:srgbClr val="000066"/>
+                </a:solidFill>
+                <a:effectLst/>
+                <a:latin typeface="Microsoft JhengHei" pitchFamily="34" charset="-120"/>
+                <a:ea typeface="Microsoft JhengHei" pitchFamily="34" charset="-120"/>
+              </a:rPr>
+              <a:t>言入主耳如香上聞</a:t>
+            </a:r>
+            <a:endParaRPr lang="en-US" altLang="zh-CN" sz="6400" b="1" dirty="0">
+              <a:solidFill>
+                <a:srgbClr val="000066"/>
+              </a:solidFill>
+              <a:effectLst/>
+              <a:latin typeface="Microsoft JhengHei" pitchFamily="34" charset="-120"/>
+              <a:ea typeface="Microsoft JhengHei" pitchFamily="34" charset="-120"/>
+            </a:endParaRPr>
+          </a:p>
+        </p:txBody>
+      </p:sp>
+      <p:sp>
+        <p:nvSpPr>
+          <p:cNvPr id="3" name="TextBox 2"/>
+          <p:cNvSpPr txBox="1"/>
+          <p:nvPr/>
         </p:nvSpPr>
         <p:spPr>
           <a:xfrm>
-            <a:off x="0" y="1600201"/>
-            <a:ext cx="12192000" cy="4525963"/>
-          </a:xfrm>
-        </p:spPr>
-        <p:txBody>
-          <a:bodyPr>
-            <a:noAutofit/>
-          </a:bodyPr>
-          <a:lstStyle/>
-          <a:p>
-            <a:pPr marL="0" indent="0" algn="ctr">
-              <a:buNone/>
-            </a:pPr>
-            <a:r>
-              <a:rPr lang="zh-CN" altLang="en-US" sz="5400" b="1" dirty="0" smtClean="0">
-                <a:ea typeface="Microsoft JhengHei" panose="020B0604030504040204" pitchFamily="34" charset="-120"/>
-              </a:rPr>
-              <a:t>我必上升領主獎賞</a:t>
-            </a:r>
-            <a:endParaRPr lang="en-US" altLang="zh-CN" sz="5400" b="1" dirty="0" smtClean="0">
-              <a:ea typeface="Microsoft JhengHei" panose="020B0604030504040204" pitchFamily="34" charset="-120"/>
-            </a:endParaRPr>
-          </a:p>
-          <a:p>
-            <a:pPr marL="0" indent="0" algn="ctr">
-              <a:buNone/>
-            </a:pPr>
-            <a:r>
-              <a:rPr lang="zh-CN" altLang="en-US" sz="5400" b="1" dirty="0">
-                <a:ea typeface="Microsoft JhengHei" panose="020B0604030504040204" pitchFamily="34" charset="-120"/>
-              </a:rPr>
-              <a:t>畏懼消失神淸氣</a:t>
-            </a:r>
-            <a:r>
-              <a:rPr lang="zh-CN" altLang="en-US" sz="5400" b="1" dirty="0" smtClean="0">
-                <a:ea typeface="Microsoft JhengHei" panose="020B0604030504040204" pitchFamily="34" charset="-120"/>
-              </a:rPr>
-              <a:t>爽</a:t>
-            </a:r>
-            <a:endParaRPr lang="en-US" altLang="zh-CN" sz="5400" b="1" dirty="0" smtClean="0">
-              <a:ea typeface="Microsoft JhengHei" panose="020B0604030504040204" pitchFamily="34" charset="-120"/>
-            </a:endParaRPr>
-          </a:p>
-          <a:p>
-            <a:pPr marL="0" indent="0" algn="ctr">
-              <a:buNone/>
-            </a:pPr>
-            <a:r>
-              <a:rPr lang="zh-CN" altLang="en-US" sz="5400" b="1" dirty="0" smtClean="0">
-                <a:ea typeface="Microsoft JhengHei" panose="020B0604030504040204" pitchFamily="34" charset="-120"/>
-              </a:rPr>
-              <a:t>將到天門半空歡呼</a:t>
-            </a:r>
-            <a:endParaRPr lang="en-US" altLang="zh-CN" sz="5400" b="1" dirty="0" smtClean="0">
-              <a:ea typeface="Microsoft JhengHei" panose="020B0604030504040204" pitchFamily="34" charset="-120"/>
-            </a:endParaRPr>
-          </a:p>
-          <a:p>
-            <a:pPr marL="0" indent="0" algn="ctr">
-              <a:buNone/>
-            </a:pPr>
-            <a:r>
-              <a:rPr lang="zh-CN" altLang="en-US" sz="5400" b="1" smtClean="0">
-                <a:ea typeface="Microsoft JhengHei" panose="020B0604030504040204" pitchFamily="34" charset="-120"/>
-              </a:rPr>
-              <a:t>我禱靈驗立見耶穌</a:t>
-            </a:r>
-            <a:endParaRPr lang="vi-VN" sz="5400" b="1" dirty="0">
-              <a:ea typeface="Microsoft JhengHei" panose="020B0604030504040204" pitchFamily="34" charset="-120"/>
-            </a:endParaRPr>
-          </a:p>
-        </p:txBody>
-      </p:sp>
-      <p:sp>
-        <p:nvSpPr>
-          <p:cNvPr id="4" name="TextBox 3"/>
-          <p:cNvSpPr txBox="1"/>
-          <p:nvPr/>
-        </p:nvSpPr>
-        <p:spPr>
-          <a:xfrm>
-            <a:off x="1755971" y="1770133"/>
-            <a:ext cx="1003413" cy="830997"/>
+            <a:off x="0" y="5061182"/>
+            <a:ext cx="12192000" cy="830997"/>
           </a:xfrm>
           <a:prstGeom prst="rect">
             <a:avLst/>
@@ -4204,24 +4566,500 @@
           </a:bodyPr>
           <a:lstStyle/>
           <a:p>
-            <a:r>
-              <a:rPr lang="en-US" sz="4800" b="1" dirty="0" smtClean="0"/>
-              <a:t>3.</a:t>
-            </a:r>
-            <a:endParaRPr lang="vi-VN" sz="4800" b="1" dirty="0"/>
+            <a:pPr algn="ctr"/>
+            <a:r>
+              <a:rPr lang="en-US" sz="4800" b="1" dirty="0">
+                <a:solidFill>
+                  <a:srgbClr val="000066"/>
+                </a:solidFill>
+                <a:effectLst/>
+              </a:rPr>
+              <a:t>( 2 )</a:t>
+            </a:r>
+            <a:endParaRPr lang="vi-VN" sz="4800" b="1" dirty="0">
+              <a:solidFill>
+                <a:srgbClr val="000066"/>
+              </a:solidFill>
+              <a:effectLst/>
+            </a:endParaRPr>
           </a:p>
         </p:txBody>
       </p:sp>
     </p:spTree>
     <p:extLst>
       <p:ext uri="{BB962C8B-B14F-4D97-AF65-F5344CB8AC3E}">
-        <p14:creationId xmlns:p14="http://schemas.microsoft.com/office/powerpoint/2010/main" val="1907087510"/>
+        <p14:creationId xmlns:p14="http://schemas.microsoft.com/office/powerpoint/2010/main" val="2476125993"/>
       </p:ext>
     </p:extLst>
   </p:cSld>
   <p:clrMapOvr>
     <a:masterClrMapping/>
   </p:clrMapOvr>
+  <p:timing>
+    <p:tnLst>
+      <p:par>
+        <p:cTn id="1" dur="indefinite" restart="never" nodeType="tmRoot"/>
+      </p:par>
+    </p:tnLst>
+  </p:timing>
+</p:sld>
+</file>
+
+<file path=ppt/slides/slide7.xml><?xml version="1.0" encoding="utf-8"?>
+<p:sld xmlns:a="http://schemas.openxmlformats.org/drawingml/2006/main" xmlns:r="http://schemas.openxmlformats.org/officeDocument/2006/relationships" xmlns:p="http://schemas.openxmlformats.org/presentationml/2006/main">
+  <p:cSld>
+    <p:spTree>
+      <p:nvGrpSpPr>
+        <p:cNvPr id="1" name=""/>
+        <p:cNvGrpSpPr/>
+        <p:nvPr/>
+      </p:nvGrpSpPr>
+      <p:grpSpPr>
+        <a:xfrm>
+          <a:off x="0" y="0"/>
+          <a:ext cx="0" cy="0"/>
+          <a:chOff x="0" y="0"/>
+          <a:chExt cx="0" cy="0"/>
+        </a:xfrm>
+      </p:grpSpPr>
+      <p:sp>
+        <p:nvSpPr>
+          <p:cNvPr id="5" name="內容版面配置區 4"/>
+          <p:cNvSpPr>
+            <a:spLocks noGrp="1"/>
+          </p:cNvSpPr>
+          <p:nvPr>
+            <p:ph idx="1"/>
+          </p:nvPr>
+        </p:nvSpPr>
+        <p:spPr>
+          <a:xfrm>
+            <a:off x="0" y="2084851"/>
+            <a:ext cx="12192000" cy="2404863"/>
+          </a:xfrm>
+        </p:spPr>
+        <p:txBody>
+          <a:bodyPr anchor="ctr">
+            <a:normAutofit/>
+          </a:bodyPr>
+          <a:lstStyle/>
+          <a:p>
+            <a:pPr marL="0" indent="0" algn="ctr">
+              <a:buNone/>
+            </a:pPr>
+            <a:r>
+              <a:rPr lang="zh-CN" altLang="en-US" sz="6400" b="1" dirty="0">
+                <a:solidFill>
+                  <a:srgbClr val="000066"/>
+                </a:solidFill>
+                <a:effectLst/>
+                <a:latin typeface="Microsoft JhengHei" pitchFamily="34" charset="-120"/>
+                <a:ea typeface="Microsoft JhengHei" pitchFamily="34" charset="-120"/>
+              </a:rPr>
+              <a:t>上主誠信必然憐憫</a:t>
+            </a:r>
+            <a:endParaRPr lang="en-US" altLang="zh-CN" sz="6400" b="1" dirty="0">
+              <a:solidFill>
+                <a:srgbClr val="000066"/>
+              </a:solidFill>
+              <a:effectLst/>
+              <a:latin typeface="Microsoft JhengHei" pitchFamily="34" charset="-120"/>
+              <a:ea typeface="Microsoft JhengHei" pitchFamily="34" charset="-120"/>
+            </a:endParaRPr>
+          </a:p>
+          <a:p>
+            <a:pPr marL="0" indent="0" algn="ctr">
+              <a:buNone/>
+            </a:pPr>
+            <a:r>
+              <a:rPr lang="zh-CN" altLang="en-US" sz="6400" b="1" dirty="0">
+                <a:solidFill>
+                  <a:srgbClr val="000066"/>
+                </a:solidFill>
+                <a:effectLst/>
+                <a:latin typeface="Microsoft JhengHei" pitchFamily="34" charset="-120"/>
+                <a:ea typeface="Microsoft JhengHei" pitchFamily="34" charset="-120"/>
+              </a:rPr>
+              <a:t>給我降福賜恩無盡</a:t>
+            </a:r>
+            <a:endParaRPr lang="vi-VN" sz="6400" b="1" dirty="0">
+              <a:solidFill>
+                <a:srgbClr val="000066"/>
+              </a:solidFill>
+              <a:effectLst/>
+              <a:latin typeface="Microsoft JhengHei" pitchFamily="34" charset="-120"/>
+              <a:ea typeface="Microsoft JhengHei" pitchFamily="34" charset="-120"/>
+            </a:endParaRPr>
+          </a:p>
+        </p:txBody>
+      </p:sp>
+      <p:sp>
+        <p:nvSpPr>
+          <p:cNvPr id="3" name="TextBox 2"/>
+          <p:cNvSpPr txBox="1"/>
+          <p:nvPr/>
+        </p:nvSpPr>
+        <p:spPr>
+          <a:xfrm>
+            <a:off x="0" y="5061182"/>
+            <a:ext cx="12192000" cy="830997"/>
+          </a:xfrm>
+          <a:prstGeom prst="rect">
+            <a:avLst/>
+          </a:prstGeom>
+          <a:noFill/>
+        </p:spPr>
+        <p:txBody>
+          <a:bodyPr wrap="square" rtlCol="0">
+            <a:spAutoFit/>
+          </a:bodyPr>
+          <a:lstStyle/>
+          <a:p>
+            <a:pPr algn="ctr"/>
+            <a:r>
+              <a:rPr lang="en-US" sz="4800" b="1" dirty="0">
+                <a:solidFill>
+                  <a:srgbClr val="000066"/>
+                </a:solidFill>
+                <a:effectLst/>
+              </a:rPr>
+              <a:t>( 2 )</a:t>
+            </a:r>
+            <a:endParaRPr lang="vi-VN" sz="4800" b="1" dirty="0">
+              <a:solidFill>
+                <a:srgbClr val="000066"/>
+              </a:solidFill>
+              <a:effectLst/>
+            </a:endParaRPr>
+          </a:p>
+        </p:txBody>
+      </p:sp>
+    </p:spTree>
+    <p:extLst>
+      <p:ext uri="{BB962C8B-B14F-4D97-AF65-F5344CB8AC3E}">
+        <p14:creationId xmlns:p14="http://schemas.microsoft.com/office/powerpoint/2010/main" val="3504047188"/>
+      </p:ext>
+    </p:extLst>
+  </p:cSld>
+  <p:clrMapOvr>
+    <a:masterClrMapping/>
+  </p:clrMapOvr>
+  <p:timing>
+    <p:tnLst>
+      <p:par>
+        <p:cTn id="1" dur="indefinite" restart="never" nodeType="tmRoot"/>
+      </p:par>
+    </p:tnLst>
+  </p:timing>
+</p:sld>
+</file>
+
+<file path=ppt/slides/slide8.xml><?xml version="1.0" encoding="utf-8"?>
+<p:sld xmlns:a="http://schemas.openxmlformats.org/drawingml/2006/main" xmlns:r="http://schemas.openxmlformats.org/officeDocument/2006/relationships" xmlns:p="http://schemas.openxmlformats.org/presentationml/2006/main">
+  <p:cSld>
+    <p:spTree>
+      <p:nvGrpSpPr>
+        <p:cNvPr id="1" name=""/>
+        <p:cNvGrpSpPr/>
+        <p:nvPr/>
+      </p:nvGrpSpPr>
+      <p:grpSpPr>
+        <a:xfrm>
+          <a:off x="0" y="0"/>
+          <a:ext cx="0" cy="0"/>
+          <a:chOff x="0" y="0"/>
+          <a:chExt cx="0" cy="0"/>
+        </a:xfrm>
+      </p:grpSpPr>
+      <p:sp>
+        <p:nvSpPr>
+          <p:cNvPr id="5" name="內容版面配置區 4"/>
+          <p:cNvSpPr>
+            <a:spLocks noGrp="1"/>
+          </p:cNvSpPr>
+          <p:nvPr>
+            <p:ph idx="1"/>
+          </p:nvPr>
+        </p:nvSpPr>
+        <p:spPr>
+          <a:xfrm>
+            <a:off x="0" y="2084851"/>
+            <a:ext cx="12192000" cy="2404863"/>
+          </a:xfrm>
+        </p:spPr>
+        <p:txBody>
+          <a:bodyPr anchor="ctr">
+            <a:normAutofit/>
+          </a:bodyPr>
+          <a:lstStyle/>
+          <a:p>
+            <a:pPr marL="0" indent="0" algn="ctr">
+              <a:buNone/>
+            </a:pPr>
+            <a:r>
+              <a:rPr lang="zh-CN" altLang="en-US" sz="6400" b="1" dirty="0" smtClean="0">
+                <a:solidFill>
+                  <a:srgbClr val="000066"/>
+                </a:solidFill>
+                <a:effectLst/>
+                <a:latin typeface="Microsoft JhengHei" pitchFamily="34" charset="-120"/>
+                <a:ea typeface="Microsoft JhengHei" pitchFamily="34" charset="-120"/>
+              </a:rPr>
+              <a:t>昔曾命</a:t>
+            </a:r>
+            <a:r>
+              <a:rPr lang="zh-CN" altLang="en-US" sz="6400" b="1" dirty="0">
+                <a:solidFill>
+                  <a:srgbClr val="000066"/>
+                </a:solidFill>
+                <a:effectLst/>
+                <a:latin typeface="Microsoft JhengHei" pitchFamily="34" charset="-120"/>
+                <a:ea typeface="Microsoft JhengHei" pitchFamily="34" charset="-120"/>
+              </a:rPr>
+              <a:t>我求拜主面</a:t>
+            </a:r>
+            <a:endParaRPr lang="en-US" altLang="zh-CN" sz="6400" b="1" dirty="0">
+              <a:solidFill>
+                <a:srgbClr val="000066"/>
+              </a:solidFill>
+              <a:effectLst/>
+              <a:latin typeface="Microsoft JhengHei" pitchFamily="34" charset="-120"/>
+              <a:ea typeface="Microsoft JhengHei" pitchFamily="34" charset="-120"/>
+            </a:endParaRPr>
+          </a:p>
+          <a:p>
+            <a:pPr marL="0" indent="0" algn="ctr">
+              <a:buNone/>
+            </a:pPr>
+            <a:r>
+              <a:rPr lang="zh-CN" altLang="en-US" sz="6400" b="1" dirty="0">
+                <a:solidFill>
+                  <a:srgbClr val="000066"/>
+                </a:solidFill>
+                <a:effectLst/>
+                <a:latin typeface="Microsoft JhengHei" pitchFamily="34" charset="-120"/>
+                <a:ea typeface="Microsoft JhengHei" pitchFamily="34" charset="-120"/>
+              </a:rPr>
+              <a:t>信主言語靠主恩眷</a:t>
+            </a:r>
+            <a:endParaRPr lang="en-US" altLang="zh-CN" sz="6400" b="1" dirty="0">
+              <a:solidFill>
+                <a:srgbClr val="000066"/>
+              </a:solidFill>
+              <a:effectLst/>
+              <a:latin typeface="Microsoft JhengHei" pitchFamily="34" charset="-120"/>
+              <a:ea typeface="Microsoft JhengHei" pitchFamily="34" charset="-120"/>
+            </a:endParaRPr>
+          </a:p>
+        </p:txBody>
+      </p:sp>
+      <p:sp>
+        <p:nvSpPr>
+          <p:cNvPr id="3" name="TextBox 2"/>
+          <p:cNvSpPr txBox="1"/>
+          <p:nvPr/>
+        </p:nvSpPr>
+        <p:spPr>
+          <a:xfrm>
+            <a:off x="0" y="5061182"/>
+            <a:ext cx="12192000" cy="830997"/>
+          </a:xfrm>
+          <a:prstGeom prst="rect">
+            <a:avLst/>
+          </a:prstGeom>
+          <a:noFill/>
+        </p:spPr>
+        <p:txBody>
+          <a:bodyPr wrap="square" rtlCol="0">
+            <a:spAutoFit/>
+          </a:bodyPr>
+          <a:lstStyle/>
+          <a:p>
+            <a:pPr algn="ctr"/>
+            <a:r>
+              <a:rPr lang="en-US" sz="4800" b="1" dirty="0">
+                <a:solidFill>
+                  <a:srgbClr val="000066"/>
+                </a:solidFill>
+                <a:effectLst/>
+              </a:rPr>
+              <a:t>( 2 )</a:t>
+            </a:r>
+            <a:endParaRPr lang="vi-VN" sz="4800" b="1" dirty="0">
+              <a:solidFill>
+                <a:srgbClr val="000066"/>
+              </a:solidFill>
+              <a:effectLst/>
+            </a:endParaRPr>
+          </a:p>
+        </p:txBody>
+      </p:sp>
+    </p:spTree>
+    <p:extLst>
+      <p:ext uri="{BB962C8B-B14F-4D97-AF65-F5344CB8AC3E}">
+        <p14:creationId xmlns:p14="http://schemas.microsoft.com/office/powerpoint/2010/main" val="4207803372"/>
+      </p:ext>
+    </p:extLst>
+  </p:cSld>
+  <p:clrMapOvr>
+    <a:masterClrMapping/>
+  </p:clrMapOvr>
+  <p:timing>
+    <p:tnLst>
+      <p:par>
+        <p:cTn id="1" dur="indefinite" restart="never" nodeType="tmRoot"/>
+      </p:par>
+    </p:tnLst>
+  </p:timing>
+</p:sld>
+</file>
+
+<file path=ppt/slides/slide9.xml><?xml version="1.0" encoding="utf-8"?>
+<p:sld xmlns:a="http://schemas.openxmlformats.org/drawingml/2006/main" xmlns:r="http://schemas.openxmlformats.org/officeDocument/2006/relationships" xmlns:p="http://schemas.openxmlformats.org/presentationml/2006/main">
+  <p:cSld>
+    <p:spTree>
+      <p:nvGrpSpPr>
+        <p:cNvPr id="1" name=""/>
+        <p:cNvGrpSpPr/>
+        <p:nvPr/>
+      </p:nvGrpSpPr>
+      <p:grpSpPr>
+        <a:xfrm>
+          <a:off x="0" y="0"/>
+          <a:ext cx="0" cy="0"/>
+          <a:chOff x="0" y="0"/>
+          <a:chExt cx="0" cy="0"/>
+        </a:xfrm>
+      </p:grpSpPr>
+      <p:sp>
+        <p:nvSpPr>
+          <p:cNvPr id="5" name="內容版面配置區 4"/>
+          <p:cNvSpPr>
+            <a:spLocks noGrp="1"/>
+          </p:cNvSpPr>
+          <p:nvPr>
+            <p:ph idx="1"/>
+          </p:nvPr>
+        </p:nvSpPr>
+        <p:spPr>
+          <a:xfrm>
+            <a:off x="0" y="2084851"/>
+            <a:ext cx="12192000" cy="2404863"/>
+          </a:xfrm>
+        </p:spPr>
+        <p:txBody>
+          <a:bodyPr anchor="ctr">
+            <a:normAutofit/>
+          </a:bodyPr>
+          <a:lstStyle/>
+          <a:p>
+            <a:pPr marL="0" indent="0" algn="ctr">
+              <a:buNone/>
+            </a:pPr>
+            <a:r>
+              <a:rPr lang="zh-CN" altLang="en-US" sz="6400" b="1" dirty="0">
+                <a:solidFill>
+                  <a:srgbClr val="000066"/>
+                </a:solidFill>
+                <a:effectLst/>
+                <a:latin typeface="Microsoft JhengHei" pitchFamily="34" charset="-120"/>
+                <a:ea typeface="Microsoft JhengHei" pitchFamily="34" charset="-120"/>
+              </a:rPr>
+              <a:t>今就恩座我跪主前</a:t>
+            </a:r>
+            <a:endParaRPr lang="en-US" altLang="zh-CN" sz="6400" b="1" dirty="0">
+              <a:solidFill>
+                <a:srgbClr val="000066"/>
+              </a:solidFill>
+              <a:effectLst/>
+              <a:latin typeface="Microsoft JhengHei" pitchFamily="34" charset="-120"/>
+              <a:ea typeface="Microsoft JhengHei" pitchFamily="34" charset="-120"/>
+            </a:endParaRPr>
+          </a:p>
+          <a:p>
+            <a:pPr marL="0" indent="0" algn="ctr">
+              <a:buNone/>
+            </a:pPr>
+            <a:r>
+              <a:rPr lang="zh-CN" altLang="en-US" sz="6400" b="1" dirty="0">
+                <a:solidFill>
+                  <a:srgbClr val="000066"/>
+                </a:solidFill>
+                <a:effectLst/>
+                <a:latin typeface="Microsoft JhengHei" pitchFamily="34" charset="-120"/>
+                <a:ea typeface="Microsoft JhengHei" pitchFamily="34" charset="-120"/>
+              </a:rPr>
+              <a:t>一切憂慮託主在天</a:t>
+            </a:r>
+            <a:endParaRPr lang="vi-VN" sz="6400" b="1" dirty="0">
+              <a:solidFill>
+                <a:srgbClr val="000066"/>
+              </a:solidFill>
+              <a:effectLst/>
+              <a:latin typeface="Microsoft JhengHei" pitchFamily="34" charset="-120"/>
+              <a:ea typeface="Microsoft JhengHei" pitchFamily="34" charset="-120"/>
+            </a:endParaRPr>
+          </a:p>
+        </p:txBody>
+      </p:sp>
+      <p:sp>
+        <p:nvSpPr>
+          <p:cNvPr id="3" name="TextBox 2"/>
+          <p:cNvSpPr txBox="1"/>
+          <p:nvPr/>
+        </p:nvSpPr>
+        <p:spPr>
+          <a:xfrm>
+            <a:off x="0" y="5061182"/>
+            <a:ext cx="12192000" cy="830997"/>
+          </a:xfrm>
+          <a:prstGeom prst="rect">
+            <a:avLst/>
+          </a:prstGeom>
+          <a:noFill/>
+        </p:spPr>
+        <p:txBody>
+          <a:bodyPr wrap="square" rtlCol="0">
+            <a:spAutoFit/>
+          </a:bodyPr>
+          <a:lstStyle/>
+          <a:p>
+            <a:pPr algn="ctr"/>
+            <a:r>
+              <a:rPr lang="en-US" sz="4800" b="1" dirty="0">
+                <a:solidFill>
+                  <a:srgbClr val="000066"/>
+                </a:solidFill>
+                <a:effectLst/>
+              </a:rPr>
+              <a:t>( 2 )</a:t>
+            </a:r>
+            <a:endParaRPr lang="vi-VN" sz="4800" b="1" dirty="0">
+              <a:solidFill>
+                <a:srgbClr val="000066"/>
+              </a:solidFill>
+              <a:effectLst/>
+            </a:endParaRPr>
+          </a:p>
+        </p:txBody>
+      </p:sp>
+    </p:spTree>
+    <p:extLst>
+      <p:ext uri="{BB962C8B-B14F-4D97-AF65-F5344CB8AC3E}">
+        <p14:creationId xmlns:p14="http://schemas.microsoft.com/office/powerpoint/2010/main" val="1578160796"/>
+      </p:ext>
+    </p:extLst>
+  </p:cSld>
+  <p:clrMapOvr>
+    <a:masterClrMapping/>
+  </p:clrMapOvr>
+  <p:timing>
+    <p:tnLst>
+      <p:par>
+        <p:cTn id="1" dur="indefinite" restart="never" nodeType="tmRoot"/>
+      </p:par>
+    </p:tnLst>
+  </p:timing>
 </p:sld>
 </file>
 
